--- a/modules/1_Sample_Z/PPT2.pptx
+++ b/modules/1_Sample_Z/PPT2.pptx
@@ -5,11 +5,16 @@
     <p:sldMasterId id="2147483648" r:id="rId1"/>
   </p:sldMasterIdLst>
   <p:notesMasterIdLst>
-    <p:notesMasterId r:id="rId4"/>
+    <p:notesMasterId r:id="rId9"/>
   </p:notesMasterIdLst>
   <p:sldIdLst>
     <p:sldId id="400" r:id="rId2"/>
     <p:sldId id="443" r:id="rId3"/>
+    <p:sldId id="444" r:id="rId4"/>
+    <p:sldId id="445" r:id="rId5"/>
+    <p:sldId id="446" r:id="rId6"/>
+    <p:sldId id="447" r:id="rId7"/>
+    <p:sldId id="448" r:id="rId8"/>
   </p:sldIdLst>
   <p:sldSz cx="9144000" cy="6858000" type="screen4x3"/>
   <p:notesSz cx="6858000" cy="9144000"/>
@@ -4083,7 +4088,7 @@
           <a:graphicData uri="http://schemas.openxmlformats.org/presentationml/2006/ole">
             <mc:AlternateContent xmlns:mc="http://schemas.openxmlformats.org/markup-compatibility/2006">
               <mc:Choice xmlns:v="urn:schemas-microsoft-com:vml" Requires="v">
-                <p:oleObj spid="_x0000_s177215" name="Equation" r:id="rId3" imgW="126720" imgH="152280" progId="Equation.3">
+                <p:oleObj spid="_x0000_s177237" name="Equation" r:id="rId3" imgW="126720" imgH="152280" progId="Equation.3">
                   <p:embed/>
                 </p:oleObj>
               </mc:Choice>
@@ -4159,7 +4164,7 @@
           <a:graphicData uri="http://schemas.openxmlformats.org/presentationml/2006/ole">
             <mc:AlternateContent xmlns:mc="http://schemas.openxmlformats.org/markup-compatibility/2006">
               <mc:Choice xmlns:v="urn:schemas-microsoft-com:vml" Requires="v">
-                <p:oleObj spid="_x0000_s177216" name="Equation" r:id="rId5" imgW="672840" imgH="457200" progId="Equation.3">
+                <p:oleObj spid="_x0000_s177238" name="Equation" r:id="rId5" imgW="672840" imgH="457200" progId="Equation.3">
                   <p:embed/>
                 </p:oleObj>
               </mc:Choice>
@@ -4221,6 +4226,578 @@
   <p:timing>
     <p:tnLst>
       <p:par>
+        <p:cTn id="1" dur="indefinite" restart="never" nodeType="tmRoot"/>
+      </p:par>
+    </p:tnLst>
+  </p:timing>
+</p:sld>
+</file>
+
+<file path=ppt/slides/slide2.xml><?xml version="1.0" encoding="utf-8"?>
+<p:sld xmlns:a="http://schemas.openxmlformats.org/drawingml/2006/main" xmlns:r="http://schemas.openxmlformats.org/officeDocument/2006/relationships" xmlns:p="http://schemas.openxmlformats.org/presentationml/2006/main">
+  <p:cSld>
+    <p:spTree>
+      <p:nvGrpSpPr>
+        <p:cNvPr id="1" name=""/>
+        <p:cNvGrpSpPr/>
+        <p:nvPr/>
+      </p:nvGrpSpPr>
+      <p:grpSpPr>
+        <a:xfrm>
+          <a:off x="0" y="0"/>
+          <a:ext cx="0" cy="0"/>
+          <a:chOff x="0" y="0"/>
+          <a:chExt cx="0" cy="0"/>
+        </a:xfrm>
+      </p:grpSpPr>
+      <p:sp>
+        <p:nvSpPr>
+          <p:cNvPr id="2" name="Title 1"/>
+          <p:cNvSpPr>
+            <a:spLocks noGrp="1"/>
+          </p:cNvSpPr>
+          <p:nvPr>
+            <p:ph type="title"/>
+          </p:nvPr>
+        </p:nvSpPr>
+        <p:spPr>
+          <a:xfrm>
+            <a:off x="685800" y="76200"/>
+            <a:ext cx="7772400" cy="1143000"/>
+          </a:xfrm>
+        </p:spPr>
+        <p:txBody>
+          <a:bodyPr/>
+          <a:lstStyle/>
+          <a:p>
+            <a:r>
+              <a:rPr lang="en-US" dirty="0" smtClean="0"/>
+              <a:t>Full Example</a:t>
+            </a:r>
+            <a:endParaRPr lang="en-US" dirty="0"/>
+          </a:p>
+        </p:txBody>
+      </p:sp>
+      <p:sp>
+        <p:nvSpPr>
+          <p:cNvPr id="3" name="Content Placeholder 2"/>
+          <p:cNvSpPr>
+            <a:spLocks noGrp="1"/>
+          </p:cNvSpPr>
+          <p:nvPr>
+            <p:ph idx="1"/>
+          </p:nvPr>
+        </p:nvSpPr>
+        <p:spPr>
+          <a:xfrm>
+            <a:off x="457200" y="1219200"/>
+            <a:ext cx="8382000" cy="5181600"/>
+          </a:xfrm>
+        </p:spPr>
+        <p:txBody>
+          <a:bodyPr/>
+          <a:lstStyle/>
+          <a:p>
+            <a:pPr marL="0" indent="0">
+              <a:buNone/>
+            </a:pPr>
+            <a:r>
+              <a:rPr lang="en-US" dirty="0"/>
+              <a:t>The mean number of close friends for the population of people living in the U.S. is 5.7. The standard </a:t>
+            </a:r>
+            <a:r>
+              <a:rPr lang="en-US" dirty="0" smtClean="0"/>
+              <a:t>deviation </a:t>
+            </a:r>
+            <a:r>
+              <a:rPr lang="en-US" dirty="0"/>
+              <a:t>in </a:t>
+            </a:r>
+            <a:r>
+              <a:rPr lang="en-US" dirty="0" smtClean="0"/>
+              <a:t>this slightly skewed </a:t>
+            </a:r>
+            <a:r>
+              <a:rPr lang="en-US" dirty="0"/>
+              <a:t>population is 1.3. An investigator predicts that the mean number of close friends for introverts will </a:t>
+            </a:r>
+            <a:r>
+              <a:rPr lang="en-US" dirty="0" smtClean="0"/>
+              <a:t>be significantly </a:t>
+            </a:r>
+            <a:r>
+              <a:rPr lang="en-US" dirty="0"/>
+              <a:t>different from the mean of </a:t>
+            </a:r>
+            <a:r>
+              <a:rPr lang="en-US"/>
+              <a:t>the </a:t>
+            </a:r>
+            <a:r>
+              <a:rPr lang="en-US" smtClean="0"/>
+              <a:t>general </a:t>
+            </a:r>
+            <a:r>
+              <a:rPr lang="en-US" dirty="0" smtClean="0"/>
+              <a:t>population</a:t>
+            </a:r>
+            <a:r>
+              <a:rPr lang="en-US" dirty="0"/>
+              <a:t>. The mean number of close friends for a </a:t>
+            </a:r>
+            <a:r>
+              <a:rPr lang="en-US" dirty="0" smtClean="0"/>
+              <a:t>random sample </a:t>
+            </a:r>
+            <a:r>
+              <a:rPr lang="en-US" dirty="0"/>
+              <a:t>of 26 introverts </a:t>
+            </a:r>
+            <a:r>
+              <a:rPr lang="en-US" dirty="0" smtClean="0"/>
+              <a:t>is 6.5</a:t>
+            </a:r>
+            <a:r>
+              <a:rPr lang="en-US" dirty="0"/>
+              <a:t>. Do these data </a:t>
+            </a:r>
+            <a:r>
+              <a:rPr lang="en-US" dirty="0" smtClean="0"/>
+              <a:t>support, at the 5% level, </a:t>
+            </a:r>
+            <a:r>
+              <a:rPr lang="en-US" dirty="0"/>
+              <a:t>the investigator's prediction</a:t>
+            </a:r>
+            <a:r>
+              <a:rPr lang="en-US" dirty="0" smtClean="0"/>
+              <a:t>?</a:t>
+            </a:r>
+            <a:endParaRPr lang="en-US" dirty="0"/>
+          </a:p>
+        </p:txBody>
+      </p:sp>
+      <p:sp>
+        <p:nvSpPr>
+          <p:cNvPr id="4" name="Footer Placeholder 3"/>
+          <p:cNvSpPr>
+            <a:spLocks noGrp="1"/>
+          </p:cNvSpPr>
+          <p:nvPr>
+            <p:ph type="ftr" sz="quarter" idx="11"/>
+          </p:nvPr>
+        </p:nvSpPr>
+        <p:spPr/>
+        <p:txBody>
+          <a:bodyPr/>
+          <a:lstStyle/>
+          <a:p>
+            <a:r>
+              <a:rPr lang="en-US" smtClean="0"/>
+              <a:t>Inference Concepts</a:t>
+            </a:r>
+            <a:endParaRPr lang="en-US"/>
+          </a:p>
+        </p:txBody>
+      </p:sp>
+      <p:sp>
+        <p:nvSpPr>
+          <p:cNvPr id="5" name="Slide Number Placeholder 4"/>
+          <p:cNvSpPr>
+            <a:spLocks noGrp="1"/>
+          </p:cNvSpPr>
+          <p:nvPr>
+            <p:ph type="sldNum" sz="quarter" idx="12"/>
+          </p:nvPr>
+        </p:nvSpPr>
+        <p:spPr/>
+        <p:txBody>
+          <a:bodyPr/>
+          <a:lstStyle/>
+          <a:p>
+            <a:r>
+              <a:rPr lang="en-US" smtClean="0"/>
+              <a:t>Slide #</a:t>
+            </a:r>
+            <a:fld id="{0ABA6BC8-16A3-4F17-9C7D-D1675927FF47}" type="slidenum">
+              <a:rPr lang="en-US" smtClean="0"/>
+              <a:pPr/>
+              <a:t>2</a:t>
+            </a:fld>
+            <a:endParaRPr lang="en-US"/>
+          </a:p>
+        </p:txBody>
+      </p:sp>
+    </p:spTree>
+    <p:extLst>
+      <p:ext uri="{BB962C8B-B14F-4D97-AF65-F5344CB8AC3E}">
+        <p14:creationId xmlns:p14="http://schemas.microsoft.com/office/powerpoint/2010/main" val="58025737"/>
+      </p:ext>
+    </p:extLst>
+  </p:cSld>
+  <p:clrMapOvr>
+    <a:masterClrMapping/>
+  </p:clrMapOvr>
+  <p:timing>
+    <p:tnLst>
+      <p:par>
+        <p:cTn id="1" dur="indefinite" restart="never" nodeType="tmRoot"/>
+      </p:par>
+    </p:tnLst>
+  </p:timing>
+</p:sld>
+</file>
+
+<file path=ppt/slides/slide3.xml><?xml version="1.0" encoding="utf-8"?>
+<p:sld xmlns:a="http://schemas.openxmlformats.org/drawingml/2006/main" xmlns:r="http://schemas.openxmlformats.org/officeDocument/2006/relationships" xmlns:p="http://schemas.openxmlformats.org/presentationml/2006/main" showMasterPhAnim="0">
+  <p:cSld>
+    <p:spTree>
+      <p:nvGrpSpPr>
+        <p:cNvPr id="1" name=""/>
+        <p:cNvGrpSpPr/>
+        <p:nvPr/>
+      </p:nvGrpSpPr>
+      <p:grpSpPr>
+        <a:xfrm>
+          <a:off x="0" y="0"/>
+          <a:ext cx="0" cy="0"/>
+          <a:chOff x="0" y="0"/>
+          <a:chExt cx="0" cy="0"/>
+        </a:xfrm>
+      </p:grpSpPr>
+      <p:sp>
+        <p:nvSpPr>
+          <p:cNvPr id="6" name="Footer Placeholder 4"/>
+          <p:cNvSpPr>
+            <a:spLocks noGrp="1"/>
+          </p:cNvSpPr>
+          <p:nvPr>
+            <p:ph type="ftr" sz="quarter" idx="11"/>
+          </p:nvPr>
+        </p:nvSpPr>
+        <p:spPr/>
+        <p:txBody>
+          <a:bodyPr/>
+          <a:lstStyle/>
+          <a:p>
+            <a:r>
+              <a:rPr lang="en-US" smtClean="0"/>
+              <a:t>Inference Concepts</a:t>
+            </a:r>
+            <a:endParaRPr lang="en-US"/>
+          </a:p>
+        </p:txBody>
+      </p:sp>
+      <p:sp>
+        <p:nvSpPr>
+          <p:cNvPr id="7" name="Slide Number Placeholder 5"/>
+          <p:cNvSpPr>
+            <a:spLocks noGrp="1"/>
+          </p:cNvSpPr>
+          <p:nvPr>
+            <p:ph type="sldNum" sz="quarter" idx="12"/>
+          </p:nvPr>
+        </p:nvSpPr>
+        <p:spPr/>
+        <p:txBody>
+          <a:bodyPr/>
+          <a:lstStyle/>
+          <a:p>
+            <a:r>
+              <a:rPr lang="en-US"/>
+              <a:t>Slide #</a:t>
+            </a:r>
+            <a:fld id="{B688EE58-D69A-40CA-ABEC-FF6860B42866}" type="slidenum">
+              <a:rPr lang="en-US"/>
+              <a:pPr/>
+              <a:t>3</a:t>
+            </a:fld>
+            <a:endParaRPr lang="en-US"/>
+          </a:p>
+        </p:txBody>
+      </p:sp>
+      <p:sp>
+        <p:nvSpPr>
+          <p:cNvPr id="176132" name="Rectangle 4"/>
+          <p:cNvSpPr>
+            <a:spLocks noGrp="1" noChangeArrowheads="1"/>
+          </p:cNvSpPr>
+          <p:nvPr>
+            <p:ph type="title"/>
+          </p:nvPr>
+        </p:nvSpPr>
+        <p:spPr>
+          <a:xfrm>
+            <a:off x="228600" y="76200"/>
+            <a:ext cx="8686800" cy="838200"/>
+          </a:xfrm>
+        </p:spPr>
+        <p:txBody>
+          <a:bodyPr/>
+          <a:lstStyle/>
+          <a:p>
+            <a:r>
+              <a:rPr lang="en-US" dirty="0"/>
+              <a:t>Recipe for any Hypothesis Test</a:t>
+            </a:r>
+          </a:p>
+        </p:txBody>
+      </p:sp>
+      <p:sp>
+        <p:nvSpPr>
+          <p:cNvPr id="176133" name="Rectangle 5"/>
+          <p:cNvSpPr>
+            <a:spLocks noGrp="1" noChangeArrowheads="1"/>
+          </p:cNvSpPr>
+          <p:nvPr>
+            <p:ph type="body" idx="1"/>
+          </p:nvPr>
+        </p:nvSpPr>
+        <p:spPr>
+          <a:xfrm>
+            <a:off x="152400" y="1143000"/>
+            <a:ext cx="8991600" cy="5257800"/>
+          </a:xfrm>
+        </p:spPr>
+        <p:txBody>
+          <a:bodyPr/>
+          <a:lstStyle/>
+          <a:p>
+            <a:pPr marL="609600" indent="-609600">
+              <a:buNone/>
+            </a:pPr>
+            <a:r>
+              <a:rPr lang="en-US" sz="2400" b="1" dirty="0" smtClean="0"/>
+              <a:t>1)  State </a:t>
+            </a:r>
+            <a:r>
+              <a:rPr lang="en-US" sz="2400" b="1" dirty="0"/>
+              <a:t>the rejection criterion (</a:t>
+            </a:r>
+            <a:r>
+              <a:rPr lang="en-US" sz="2400" b="1" dirty="0">
+                <a:latin typeface="Symbol" pitchFamily="18" charset="2"/>
+              </a:rPr>
+              <a:t>a</a:t>
+            </a:r>
+            <a:r>
+              <a:rPr lang="en-US" sz="2400" b="1" dirty="0" smtClean="0"/>
+              <a:t>)</a:t>
+            </a:r>
+          </a:p>
+          <a:p>
+            <a:pPr marL="609600" indent="-609600">
+              <a:buNone/>
+            </a:pPr>
+            <a:r>
+              <a:rPr lang="en-US" sz="2400" dirty="0" smtClean="0">
+                <a:latin typeface="Symbol" panose="05050102010706020507" pitchFamily="18" charset="2"/>
+              </a:rPr>
+              <a:t>a</a:t>
+            </a:r>
+            <a:r>
+              <a:rPr lang="en-US" sz="2400" dirty="0" smtClean="0"/>
+              <a:t>=0.05</a:t>
+            </a:r>
+          </a:p>
+          <a:p>
+            <a:pPr marL="609600" indent="-609600">
+              <a:buNone/>
+            </a:pPr>
+            <a:endParaRPr lang="en-US" sz="2400" dirty="0"/>
+          </a:p>
+          <a:p>
+            <a:pPr marL="609600" indent="-609600">
+              <a:buFontTx/>
+              <a:buNone/>
+            </a:pPr>
+            <a:r>
+              <a:rPr lang="en-US" sz="2400" b="1" dirty="0" smtClean="0"/>
+              <a:t>2)  State </a:t>
+            </a:r>
+            <a:r>
+              <a:rPr lang="en-US" sz="2400" b="1" dirty="0"/>
+              <a:t>the null &amp;</a:t>
+            </a:r>
+            <a:r>
+              <a:rPr lang="en-US" sz="2400" b="1" dirty="0" smtClean="0"/>
+              <a:t> </a:t>
+            </a:r>
+            <a:r>
+              <a:rPr lang="en-US" sz="2400" b="1" dirty="0"/>
+              <a:t>alternative </a:t>
+            </a:r>
+            <a:r>
+              <a:rPr lang="en-US" sz="2400" b="1" dirty="0" smtClean="0"/>
+              <a:t>hypotheses, </a:t>
+            </a:r>
+            <a:r>
+              <a:rPr lang="en-US" sz="2400" b="1" dirty="0" smtClean="0"/>
+              <a:t>define the parameter(s</a:t>
+            </a:r>
+            <a:r>
+              <a:rPr lang="en-US" sz="2400" b="1" dirty="0" smtClean="0"/>
+              <a:t>)</a:t>
+            </a:r>
+          </a:p>
+          <a:p>
+            <a:pPr marL="609600" indent="-609600">
+              <a:buFontTx/>
+              <a:buNone/>
+            </a:pPr>
+            <a:r>
+              <a:rPr lang="en-US" sz="2400" dirty="0" smtClean="0"/>
+              <a:t>H</a:t>
+            </a:r>
+            <a:r>
+              <a:rPr lang="en-US" sz="2400" baseline="-25000" dirty="0" smtClean="0"/>
+              <a:t>o</a:t>
+            </a:r>
+            <a:r>
+              <a:rPr lang="en-US" sz="2400" dirty="0" smtClean="0"/>
+              <a:t>: </a:t>
+            </a:r>
+            <a:r>
+              <a:rPr lang="en-US" sz="2400" dirty="0" smtClean="0">
+                <a:latin typeface="Symbol" panose="05050102010706020507" pitchFamily="18" charset="2"/>
+              </a:rPr>
+              <a:t>m </a:t>
+            </a:r>
+            <a:r>
+              <a:rPr lang="en-US" sz="2400" dirty="0" smtClean="0"/>
+              <a:t>= 5.7</a:t>
+            </a:r>
+          </a:p>
+          <a:p>
+            <a:pPr marL="609600" indent="-609600">
+              <a:buFontTx/>
+              <a:buNone/>
+            </a:pPr>
+            <a:r>
+              <a:rPr lang="en-US" sz="2400" dirty="0" smtClean="0"/>
+              <a:t>H</a:t>
+            </a:r>
+            <a:r>
+              <a:rPr lang="en-US" sz="2400" baseline="-25000" dirty="0" smtClean="0"/>
+              <a:t>a</a:t>
+            </a:r>
+            <a:r>
+              <a:rPr lang="en-US" sz="2400" dirty="0" smtClean="0"/>
+              <a:t>: </a:t>
+            </a:r>
+            <a:r>
+              <a:rPr lang="en-US" sz="2400" dirty="0" smtClean="0">
+                <a:latin typeface="Symbol" panose="05050102010706020507" pitchFamily="18" charset="2"/>
+              </a:rPr>
+              <a:t>m </a:t>
+            </a:r>
+            <a:r>
+              <a:rPr lang="en-US" sz="2400" dirty="0" smtClean="0">
+                <a:latin typeface="Symbol" panose="05050102010706020507" pitchFamily="18" charset="2"/>
+                <a:sym typeface="Symbol" panose="05050102010706020507" pitchFamily="18" charset="2"/>
+              </a:rPr>
+              <a:t> </a:t>
+            </a:r>
+            <a:r>
+              <a:rPr lang="en-US" sz="2400" dirty="0" smtClean="0"/>
+              <a:t>5.7   …. </a:t>
+            </a:r>
+            <a:r>
+              <a:rPr lang="en-US" sz="2400" dirty="0">
+                <a:latin typeface="Symbol" panose="05050102010706020507" pitchFamily="18" charset="2"/>
+              </a:rPr>
+              <a:t>m</a:t>
+            </a:r>
+            <a:r>
+              <a:rPr lang="en-US" sz="2400" dirty="0" smtClean="0"/>
+              <a:t> is mean number of close friends for all introverts</a:t>
+            </a:r>
+          </a:p>
+          <a:p>
+            <a:pPr marL="609600" indent="-609600">
+              <a:buFontTx/>
+              <a:buNone/>
+            </a:pPr>
+            <a:endParaRPr lang="en-US" sz="2400" dirty="0" smtClean="0"/>
+          </a:p>
+          <a:p>
+            <a:pPr marL="609600" indent="-609600">
+              <a:buFontTx/>
+              <a:buNone/>
+            </a:pPr>
+            <a:r>
+              <a:rPr lang="en-US" sz="2400" b="1" dirty="0" smtClean="0"/>
+              <a:t>3)  Determine </a:t>
+            </a:r>
+            <a:r>
+              <a:rPr lang="en-US" sz="2400" b="1" dirty="0"/>
+              <a:t>which test to perform – Explain</a:t>
+            </a:r>
+            <a:r>
+              <a:rPr lang="en-US" sz="2400" b="1" dirty="0" smtClean="0"/>
+              <a:t>!</a:t>
+            </a:r>
+          </a:p>
+          <a:p>
+            <a:pPr marL="609600" indent="-609600">
+              <a:buFontTx/>
+              <a:buNone/>
+            </a:pPr>
+            <a:r>
+              <a:rPr lang="en-US" sz="2400" dirty="0" smtClean="0"/>
+              <a:t>1-sample z-test … because (a</a:t>
+            </a:r>
+            <a:r>
+              <a:rPr lang="en-US" sz="2400" dirty="0"/>
+              <a:t>) a single population </a:t>
+            </a:r>
+            <a:r>
+              <a:rPr lang="en-US" sz="2400" dirty="0" smtClean="0"/>
+              <a:t>(introverts in U.S.)</a:t>
+            </a:r>
+            <a:r>
+              <a:rPr lang="en-US" sz="2400" dirty="0" smtClean="0"/>
+              <a:t>, (</a:t>
+            </a:r>
+            <a:r>
+              <a:rPr lang="en-US" sz="2400" dirty="0"/>
+              <a:t>b) quantitative </a:t>
+            </a:r>
+            <a:r>
+              <a:rPr lang="en-US" sz="2400" dirty="0" smtClean="0"/>
+              <a:t>variable (number of close friends), </a:t>
+            </a:r>
+            <a:r>
+              <a:rPr lang="en-US" sz="2400" dirty="0" smtClean="0"/>
+              <a:t>and (c) </a:t>
+            </a:r>
+            <a:r>
+              <a:rPr lang="en-US" sz="2400" dirty="0" smtClean="0">
+                <a:latin typeface="Symbol" panose="05050102010706020507" pitchFamily="18" charset="2"/>
+              </a:rPr>
+              <a:t>s</a:t>
+            </a:r>
+            <a:r>
+              <a:rPr lang="en-US" sz="2400" dirty="0" smtClean="0"/>
+              <a:t> is known (=1.3).</a:t>
+            </a:r>
+            <a:endParaRPr lang="en-US" sz="2400" dirty="0"/>
+          </a:p>
+        </p:txBody>
+      </p:sp>
+    </p:spTree>
+    <p:extLst>
+      <p:ext uri="{BB962C8B-B14F-4D97-AF65-F5344CB8AC3E}">
+        <p14:creationId xmlns:p14="http://schemas.microsoft.com/office/powerpoint/2010/main" val="4029682050"/>
+      </p:ext>
+    </p:extLst>
+  </p:cSld>
+  <p:clrMapOvr>
+    <a:masterClrMapping/>
+  </p:clrMapOvr>
+  <p:timing>
+    <p:tnLst>
+      <p:par>
         <p:cTn id="1" dur="indefinite" restart="never" nodeType="tmRoot">
           <p:childTnLst>
             <p:seq concurrent="1" nextAc="seek">
@@ -4239,7 +4816,7 @@
                             </p:stCondLst>
                             <p:childTnLst>
                               <p:par>
-                                <p:cTn id="5" presetID="1" presetClass="entr" presetSubtype="0" fill="hold" nodeType="clickEffect">
+                                <p:cTn id="5" presetID="1" presetClass="entr" presetSubtype="0" fill="hold" grpId="0" nodeType="clickEffect">
                                   <p:stCondLst>
                                     <p:cond delay="0"/>
                                   </p:stCondLst>
@@ -4252,9 +4829,9 @@
                                           </p:stCondLst>
                                         </p:cTn>
                                         <p:tgtEl>
-                                          <p:spTgt spid="177155">
+                                          <p:spTgt spid="176133">
                                             <p:txEl>
-                                              <p:pRg st="2" end="2"/>
+                                              <p:pRg st="0" end="0"/>
                                             </p:txEl>
                                           </p:spTgt>
                                         </p:tgtEl>
@@ -4279,7 +4856,7 @@
                             </p:stCondLst>
                             <p:childTnLst>
                               <p:par>
-                                <p:cTn id="8" presetID="1" presetClass="entr" presetSubtype="0" fill="hold" nodeType="afterEffect">
+                                <p:cTn id="8" presetID="1" presetClass="entr" presetSubtype="0" fill="hold" grpId="0" nodeType="afterEffect">
                                   <p:stCondLst>
                                     <p:cond delay="0"/>
                                   </p:stCondLst>
@@ -4292,7 +4869,11 @@
                                           </p:stCondLst>
                                         </p:cTn>
                                         <p:tgtEl>
-                                          <p:spTgt spid="177157"/>
+                                          <p:spTgt spid="176133">
+                                            <p:txEl>
+                                              <p:pRg st="1" end="1"/>
+                                            </p:txEl>
+                                          </p:spTgt>
                                         </p:tgtEl>
                                         <p:attrNameLst>
                                           <p:attrName>style.visibility</p:attrName>
@@ -4324,7 +4905,7 @@
                             </p:stCondLst>
                             <p:childTnLst>
                               <p:par>
-                                <p:cTn id="12" presetID="1" presetClass="entr" presetSubtype="0" fill="hold" nodeType="clickEffect">
+                                <p:cTn id="12" presetID="1" presetClass="entr" presetSubtype="0" fill="hold" grpId="0" nodeType="clickEffect">
                                   <p:stCondLst>
                                     <p:cond delay="0"/>
                                   </p:stCondLst>
@@ -4337,9 +4918,9 @@
                                           </p:stCondLst>
                                         </p:cTn>
                                         <p:tgtEl>
-                                          <p:spTgt spid="177155">
+                                          <p:spTgt spid="176133">
                                             <p:txEl>
-                                              <p:pRg st="4" end="4"/>
+                                              <p:pRg st="3" end="3"/>
                                             </p:txEl>
                                           </p:spTgt>
                                         </p:tgtEl>
@@ -4364,7 +4945,7 @@
                             </p:stCondLst>
                             <p:childTnLst>
                               <p:par>
-                                <p:cTn id="15" presetID="1" presetClass="entr" presetSubtype="0" fill="hold" nodeType="afterEffect">
+                                <p:cTn id="15" presetID="1" presetClass="entr" presetSubtype="0" fill="hold" grpId="0" nodeType="afterEffect">
                                   <p:stCondLst>
                                     <p:cond delay="0"/>
                                   </p:stCondLst>
@@ -4377,7 +4958,11 @@
                                           </p:stCondLst>
                                         </p:cTn>
                                         <p:tgtEl>
-                                          <p:spTgt spid="177158"/>
+                                          <p:spTgt spid="176133">
+                                            <p:txEl>
+                                              <p:pRg st="4" end="4"/>
+                                            </p:txEl>
+                                          </p:spTgt>
                                         </p:tgtEl>
                                         <p:attrNameLst>
                                           <p:attrName>style.visibility</p:attrName>
@@ -4393,69 +4978,29 @@
                             </p:childTnLst>
                           </p:cTn>
                         </p:par>
-                      </p:childTnLst>
-                    </p:cTn>
-                  </p:par>
-                  <p:par>
-                    <p:cTn id="17" fill="hold">
-                      <p:stCondLst>
-                        <p:cond delay="indefinite"/>
-                      </p:stCondLst>
-                      <p:childTnLst>
                         <p:par>
-                          <p:cTn id="18" fill="hold">
+                          <p:cTn id="17" fill="hold">
                             <p:stCondLst>
                               <p:cond delay="0"/>
                             </p:stCondLst>
                             <p:childTnLst>
                               <p:par>
-                                <p:cTn id="19" presetID="1" presetClass="entr" presetSubtype="0" fill="hold" nodeType="clickEffect">
+                                <p:cTn id="18" presetID="1" presetClass="entr" presetSubtype="0" fill="hold" grpId="0" nodeType="afterEffect">
                                   <p:stCondLst>
                                     <p:cond delay="0"/>
                                   </p:stCondLst>
                                   <p:childTnLst>
                                     <p:set>
                                       <p:cBhvr>
-                                        <p:cTn id="20" dur="1" fill="hold">
+                                        <p:cTn id="19" dur="1" fill="hold">
                                           <p:stCondLst>
                                             <p:cond delay="0"/>
                                           </p:stCondLst>
                                         </p:cTn>
                                         <p:tgtEl>
-                                          <p:spTgt spid="177155">
+                                          <p:spTgt spid="176133">
                                             <p:txEl>
-                                              <p:pRg st="6" end="6"/>
-                                            </p:txEl>
-                                          </p:spTgt>
-                                        </p:tgtEl>
-                                        <p:attrNameLst>
-                                          <p:attrName>style.visibility</p:attrName>
-                                        </p:attrNameLst>
-                                      </p:cBhvr>
-                                      <p:to>
-                                        <p:strVal val="visible"/>
-                                      </p:to>
-                                    </p:set>
-                                  </p:childTnLst>
-                                </p:cTn>
-                              </p:par>
-                              <p:par>
-                                <p:cTn id="21" presetID="1" presetClass="entr" presetSubtype="0" fill="hold" nodeType="withEffect">
-                                  <p:stCondLst>
-                                    <p:cond delay="0"/>
-                                  </p:stCondLst>
-                                  <p:childTnLst>
-                                    <p:set>
-                                      <p:cBhvr>
-                                        <p:cTn id="22" dur="1" fill="hold">
-                                          <p:stCondLst>
-                                            <p:cond delay="0"/>
-                                          </p:stCondLst>
-                                        </p:cTn>
-                                        <p:tgtEl>
-                                          <p:spTgt spid="177155">
-                                            <p:txEl>
-                                              <p:pRg st="7" end="7"/>
+                                              <p:pRg st="5" end="5"/>
                                             </p:txEl>
                                           </p:spTgt>
                                         </p:tgtEl>
@@ -4477,11 +5022,51 @@
                     </p:cTn>
                   </p:par>
                   <p:par>
-                    <p:cTn id="23" fill="hold">
+                    <p:cTn id="20" fill="hold">
                       <p:stCondLst>
                         <p:cond delay="indefinite"/>
                       </p:stCondLst>
                       <p:childTnLst>
+                        <p:par>
+                          <p:cTn id="21" fill="hold">
+                            <p:stCondLst>
+                              <p:cond delay="0"/>
+                            </p:stCondLst>
+                            <p:childTnLst>
+                              <p:par>
+                                <p:cTn id="22" presetID="1" presetClass="entr" presetSubtype="0" fill="hold" grpId="0" nodeType="clickEffect">
+                                  <p:stCondLst>
+                                    <p:cond delay="0"/>
+                                  </p:stCondLst>
+                                  <p:childTnLst>
+                                    <p:set>
+                                      <p:cBhvr>
+                                        <p:cTn id="23" dur="1" fill="hold">
+                                          <p:stCondLst>
+                                            <p:cond delay="0"/>
+                                          </p:stCondLst>
+                                        </p:cTn>
+                                        <p:tgtEl>
+                                          <p:spTgt spid="176133">
+                                            <p:txEl>
+                                              <p:pRg st="7" end="7"/>
+                                            </p:txEl>
+                                          </p:spTgt>
+                                        </p:tgtEl>
+                                        <p:attrNameLst>
+                                          <p:attrName>style.visibility</p:attrName>
+                                        </p:attrNameLst>
+                                      </p:cBhvr>
+                                      <p:to>
+                                        <p:strVal val="visible"/>
+                                      </p:to>
+                                    </p:set>
+                                  </p:childTnLst>
+                                </p:cTn>
+                              </p:par>
+                            </p:childTnLst>
+                          </p:cTn>
+                        </p:par>
                         <p:par>
                           <p:cTn id="24" fill="hold">
                             <p:stCondLst>
@@ -4489,7 +5074,7 @@
                             </p:stCondLst>
                             <p:childTnLst>
                               <p:par>
-                                <p:cTn id="25" presetID="1" presetClass="entr" presetSubtype="0" fill="hold" nodeType="clickEffect">
+                                <p:cTn id="25" presetID="1" presetClass="entr" presetSubtype="0" fill="hold" grpId="0" nodeType="afterEffect">
                                   <p:stCondLst>
                                     <p:cond delay="0"/>
                                   </p:stCondLst>
@@ -4502,7 +5087,7 @@
                                           </p:stCondLst>
                                         </p:cTn>
                                         <p:tgtEl>
-                                          <p:spTgt spid="177155">
+                                          <p:spTgt spid="176133">
                                             <p:txEl>
                                               <p:pRg st="8" end="8"/>
                                             </p:txEl>
@@ -4525,33 +5110,507 @@
                       </p:childTnLst>
                     </p:cTn>
                   </p:par>
+                </p:childTnLst>
+              </p:cTn>
+              <p:prevCondLst>
+                <p:cond evt="onPrev" delay="0">
+                  <p:tgtEl>
+                    <p:sldTgt/>
+                  </p:tgtEl>
+                </p:cond>
+              </p:prevCondLst>
+              <p:nextCondLst>
+                <p:cond evt="onNext" delay="0">
+                  <p:tgtEl>
+                    <p:sldTgt/>
+                  </p:tgtEl>
+                </p:cond>
+              </p:nextCondLst>
+            </p:seq>
+          </p:childTnLst>
+        </p:cTn>
+      </p:par>
+    </p:tnLst>
+    <p:bldLst>
+      <p:bldP spid="176133" grpId="0" uiExpand="1" build="p"/>
+    </p:bldLst>
+  </p:timing>
+</p:sld>
+</file>
+
+<file path=ppt/slides/slide4.xml><?xml version="1.0" encoding="utf-8"?>
+<p:sld xmlns:a="http://schemas.openxmlformats.org/drawingml/2006/main" xmlns:r="http://schemas.openxmlformats.org/officeDocument/2006/relationships" xmlns:p="http://schemas.openxmlformats.org/presentationml/2006/main" showMasterPhAnim="0">
+  <p:cSld>
+    <p:spTree>
+      <p:nvGrpSpPr>
+        <p:cNvPr id="1" name=""/>
+        <p:cNvGrpSpPr/>
+        <p:nvPr/>
+      </p:nvGrpSpPr>
+      <p:grpSpPr>
+        <a:xfrm>
+          <a:off x="0" y="0"/>
+          <a:ext cx="0" cy="0"/>
+          <a:chOff x="0" y="0"/>
+          <a:chExt cx="0" cy="0"/>
+        </a:xfrm>
+      </p:grpSpPr>
+      <p:sp>
+        <p:nvSpPr>
+          <p:cNvPr id="6" name="Footer Placeholder 4"/>
+          <p:cNvSpPr>
+            <a:spLocks noGrp="1"/>
+          </p:cNvSpPr>
+          <p:nvPr>
+            <p:ph type="ftr" sz="quarter" idx="11"/>
+          </p:nvPr>
+        </p:nvSpPr>
+        <p:spPr/>
+        <p:txBody>
+          <a:bodyPr/>
+          <a:lstStyle/>
+          <a:p>
+            <a:r>
+              <a:rPr lang="en-US" smtClean="0"/>
+              <a:t>Inference Concepts</a:t>
+            </a:r>
+            <a:endParaRPr lang="en-US"/>
+          </a:p>
+        </p:txBody>
+      </p:sp>
+      <p:sp>
+        <p:nvSpPr>
+          <p:cNvPr id="7" name="Slide Number Placeholder 5"/>
+          <p:cNvSpPr>
+            <a:spLocks noGrp="1"/>
+          </p:cNvSpPr>
+          <p:nvPr>
+            <p:ph type="sldNum" sz="quarter" idx="12"/>
+          </p:nvPr>
+        </p:nvSpPr>
+        <p:spPr/>
+        <p:txBody>
+          <a:bodyPr/>
+          <a:lstStyle/>
+          <a:p>
+            <a:r>
+              <a:rPr lang="en-US"/>
+              <a:t>Slide #</a:t>
+            </a:r>
+            <a:fld id="{B688EE58-D69A-40CA-ABEC-FF6860B42866}" type="slidenum">
+              <a:rPr lang="en-US"/>
+              <a:pPr/>
+              <a:t>4</a:t>
+            </a:fld>
+            <a:endParaRPr lang="en-US"/>
+          </a:p>
+        </p:txBody>
+      </p:sp>
+      <p:sp>
+        <p:nvSpPr>
+          <p:cNvPr id="176132" name="Rectangle 4"/>
+          <p:cNvSpPr>
+            <a:spLocks noGrp="1" noChangeArrowheads="1"/>
+          </p:cNvSpPr>
+          <p:nvPr>
+            <p:ph type="title"/>
+          </p:nvPr>
+        </p:nvSpPr>
+        <p:spPr>
+          <a:xfrm>
+            <a:off x="228600" y="76200"/>
+            <a:ext cx="8686800" cy="838200"/>
+          </a:xfrm>
+        </p:spPr>
+        <p:txBody>
+          <a:bodyPr/>
+          <a:lstStyle/>
+          <a:p>
+            <a:r>
+              <a:rPr lang="en-US" dirty="0"/>
+              <a:t>Recipe for any Hypothesis Test</a:t>
+            </a:r>
+          </a:p>
+        </p:txBody>
+      </p:sp>
+      <p:sp>
+        <p:nvSpPr>
+          <p:cNvPr id="176133" name="Rectangle 5"/>
+          <p:cNvSpPr>
+            <a:spLocks noGrp="1" noChangeArrowheads="1"/>
+          </p:cNvSpPr>
+          <p:nvPr>
+            <p:ph type="body" idx="1"/>
+          </p:nvPr>
+        </p:nvSpPr>
+        <p:spPr>
+          <a:xfrm>
+            <a:off x="152400" y="1143000"/>
+            <a:ext cx="8763000" cy="5257800"/>
+          </a:xfrm>
+        </p:spPr>
+        <p:txBody>
+          <a:bodyPr/>
+          <a:lstStyle/>
+          <a:p>
+            <a:pPr marL="609600" indent="-609600">
+              <a:buFontTx/>
+              <a:buNone/>
+            </a:pPr>
+            <a:r>
+              <a:rPr lang="en-US" sz="2400" b="1" dirty="0" smtClean="0"/>
+              <a:t>4)  Collect </a:t>
+            </a:r>
+            <a:r>
+              <a:rPr lang="en-US" sz="2400" b="1" dirty="0"/>
+              <a:t>the </a:t>
+            </a:r>
+            <a:r>
+              <a:rPr lang="en-US" sz="2400" b="1" dirty="0" smtClean="0"/>
+              <a:t>data (address type of study and randomization</a:t>
+            </a:r>
+            <a:r>
+              <a:rPr lang="en-US" sz="2400" b="1" dirty="0" smtClean="0"/>
+              <a:t>)</a:t>
+            </a:r>
+          </a:p>
+          <a:p>
+            <a:pPr marL="609600" indent="-609600">
+              <a:buFontTx/>
+              <a:buNone/>
+            </a:pPr>
+            <a:r>
+              <a:rPr lang="en-US" sz="2400" dirty="0" smtClean="0"/>
+              <a:t>(i) Observational study (no control imparted on introverts)</a:t>
+            </a:r>
+          </a:p>
+          <a:p>
+            <a:pPr marL="609600" indent="-609600">
+              <a:buFontTx/>
+              <a:buNone/>
+            </a:pPr>
+            <a:r>
+              <a:rPr lang="en-US" sz="2400" dirty="0" smtClean="0"/>
+              <a:t>(ii) A random sample (n=26) was taken</a:t>
+            </a:r>
+          </a:p>
+          <a:p>
+            <a:pPr marL="609600" indent="-609600">
+              <a:buFontTx/>
+              <a:buNone/>
+            </a:pPr>
+            <a:endParaRPr lang="en-US" sz="2400" dirty="0"/>
+          </a:p>
+          <a:p>
+            <a:pPr marL="609600" indent="-609600">
+              <a:buFontTx/>
+              <a:buNone/>
+            </a:pPr>
+            <a:r>
+              <a:rPr lang="en-US" sz="2400" b="1" dirty="0"/>
+              <a:t>5)  Check all necessary </a:t>
+            </a:r>
+            <a:r>
+              <a:rPr lang="en-US" sz="2400" b="1" dirty="0" smtClean="0"/>
+              <a:t>assumption(s)</a:t>
+            </a:r>
+            <a:endParaRPr lang="en-US" sz="2400" b="1" dirty="0"/>
+          </a:p>
+          <a:p>
+            <a:pPr marL="609600" indent="-609600">
+              <a:buFontTx/>
+              <a:buNone/>
+            </a:pPr>
+            <a:r>
+              <a:rPr lang="en-US" sz="2400" dirty="0" smtClean="0"/>
+              <a:t>(i) </a:t>
+            </a:r>
+            <a:r>
+              <a:rPr lang="en-US" sz="2400" dirty="0" smtClean="0">
+                <a:latin typeface="Symbol" panose="05050102010706020507" pitchFamily="18" charset="2"/>
+              </a:rPr>
+              <a:t>s</a:t>
+            </a:r>
+            <a:r>
+              <a:rPr lang="en-US" sz="2400" dirty="0" smtClean="0"/>
+              <a:t> is known (=1.3)</a:t>
+            </a:r>
+          </a:p>
+          <a:p>
+            <a:pPr marL="609600" indent="-609600">
+              <a:buFontTx/>
+              <a:buNone/>
+            </a:pPr>
+            <a:r>
+              <a:rPr lang="en-US" sz="2400" dirty="0" smtClean="0"/>
+              <a:t>(ii) n&gt;15 and population is only slightly skewed (in background)</a:t>
+            </a:r>
+          </a:p>
+          <a:p>
+            <a:pPr marL="609600" indent="-609600">
+              <a:buFontTx/>
+              <a:buNone/>
+            </a:pPr>
+            <a:endParaRPr lang="en-US" sz="2400" dirty="0" smtClean="0"/>
+          </a:p>
+          <a:p>
+            <a:pPr marL="609600" indent="-609600">
+              <a:buFontTx/>
+              <a:buNone/>
+            </a:pPr>
+            <a:r>
+              <a:rPr lang="en-US" sz="2400" b="1" dirty="0" smtClean="0"/>
+              <a:t>6</a:t>
+            </a:r>
+            <a:r>
+              <a:rPr lang="en-US" sz="2400" b="1" dirty="0"/>
+              <a:t>)  Calculate the appropriate </a:t>
+            </a:r>
+            <a:r>
+              <a:rPr lang="en-US" sz="2400" b="1" dirty="0" smtClean="0"/>
+              <a:t>statistic(s)</a:t>
+            </a:r>
+            <a:endParaRPr lang="en-US" sz="2400" b="1" dirty="0"/>
+          </a:p>
+          <a:p>
+            <a:pPr marL="609600" indent="-609600">
+              <a:buFontTx/>
+              <a:buNone/>
+            </a:pPr>
+            <a:r>
+              <a:rPr lang="en-US" sz="2400" dirty="0" smtClean="0">
+                <a:latin typeface="Symbol" panose="05050102010706020507" pitchFamily="18" charset="2"/>
+              </a:rPr>
+              <a:t>`</a:t>
+            </a:r>
+            <a:r>
+              <a:rPr lang="en-US" sz="2400" dirty="0" smtClean="0"/>
+              <a:t>x = 6.5 (in background)</a:t>
+            </a:r>
+          </a:p>
+          <a:p>
+            <a:pPr marL="609600" indent="-609600">
+              <a:buFontTx/>
+              <a:buNone/>
+            </a:pPr>
+            <a:endParaRPr lang="en-US" sz="2400" dirty="0"/>
+          </a:p>
+        </p:txBody>
+      </p:sp>
+    </p:spTree>
+    <p:extLst>
+      <p:ext uri="{BB962C8B-B14F-4D97-AF65-F5344CB8AC3E}">
+        <p14:creationId xmlns:p14="http://schemas.microsoft.com/office/powerpoint/2010/main" val="3974740585"/>
+      </p:ext>
+    </p:extLst>
+  </p:cSld>
+  <p:clrMapOvr>
+    <a:masterClrMapping/>
+  </p:clrMapOvr>
+  <p:timing>
+    <p:tnLst>
+      <p:par>
+        <p:cTn id="1" dur="indefinite" restart="never" nodeType="tmRoot">
+          <p:childTnLst>
+            <p:seq concurrent="1" nextAc="seek">
+              <p:cTn id="2" dur="indefinite" nodeType="mainSeq">
+                <p:childTnLst>
                   <p:par>
-                    <p:cTn id="27" fill="hold">
+                    <p:cTn id="3" fill="hold">
                       <p:stCondLst>
                         <p:cond delay="indefinite"/>
                       </p:stCondLst>
                       <p:childTnLst>
                         <p:par>
-                          <p:cTn id="28" fill="hold">
+                          <p:cTn id="4" fill="hold">
                             <p:stCondLst>
                               <p:cond delay="0"/>
                             </p:stCondLst>
                             <p:childTnLst>
                               <p:par>
-                                <p:cTn id="29" presetID="1" presetClass="entr" presetSubtype="0" fill="hold" nodeType="clickEffect">
+                                <p:cTn id="5" presetID="1" presetClass="entr" presetSubtype="0" fill="hold" grpId="0" nodeType="clickEffect">
                                   <p:stCondLst>
                                     <p:cond delay="0"/>
                                   </p:stCondLst>
                                   <p:childTnLst>
                                     <p:set>
                                       <p:cBhvr>
-                                        <p:cTn id="30" dur="1" fill="hold">
+                                        <p:cTn id="6" dur="1" fill="hold">
                                           <p:stCondLst>
                                             <p:cond delay="0"/>
                                           </p:stCondLst>
                                         </p:cTn>
                                         <p:tgtEl>
-                                          <p:spTgt spid="177155">
+                                          <p:spTgt spid="176133">
+                                            <p:txEl>
+                                              <p:pRg st="4" end="4"/>
+                                            </p:txEl>
+                                          </p:spTgt>
+                                        </p:tgtEl>
+                                        <p:attrNameLst>
+                                          <p:attrName>style.visibility</p:attrName>
+                                        </p:attrNameLst>
+                                      </p:cBhvr>
+                                      <p:to>
+                                        <p:strVal val="visible"/>
+                                      </p:to>
+                                    </p:set>
+                                  </p:childTnLst>
+                                </p:cTn>
+                              </p:par>
+                            </p:childTnLst>
+                          </p:cTn>
+                        </p:par>
+                        <p:par>
+                          <p:cTn id="7" fill="hold">
+                            <p:stCondLst>
+                              <p:cond delay="0"/>
+                            </p:stCondLst>
+                            <p:childTnLst>
+                              <p:par>
+                                <p:cTn id="8" presetID="1" presetClass="entr" presetSubtype="0" fill="hold" grpId="0" nodeType="afterEffect">
+                                  <p:stCondLst>
+                                    <p:cond delay="0"/>
+                                  </p:stCondLst>
+                                  <p:childTnLst>
+                                    <p:set>
+                                      <p:cBhvr>
+                                        <p:cTn id="9" dur="1" fill="hold">
+                                          <p:stCondLst>
+                                            <p:cond delay="0"/>
+                                          </p:stCondLst>
+                                        </p:cTn>
+                                        <p:tgtEl>
+                                          <p:spTgt spid="176133">
+                                            <p:txEl>
+                                              <p:pRg st="5" end="5"/>
+                                            </p:txEl>
+                                          </p:spTgt>
+                                        </p:tgtEl>
+                                        <p:attrNameLst>
+                                          <p:attrName>style.visibility</p:attrName>
+                                        </p:attrNameLst>
+                                      </p:cBhvr>
+                                      <p:to>
+                                        <p:strVal val="visible"/>
+                                      </p:to>
+                                    </p:set>
+                                  </p:childTnLst>
+                                </p:cTn>
+                              </p:par>
+                            </p:childTnLst>
+                          </p:cTn>
+                        </p:par>
+                        <p:par>
+                          <p:cTn id="10" fill="hold">
+                            <p:stCondLst>
+                              <p:cond delay="0"/>
+                            </p:stCondLst>
+                            <p:childTnLst>
+                              <p:par>
+                                <p:cTn id="11" presetID="1" presetClass="entr" presetSubtype="0" fill="hold" grpId="0" nodeType="afterEffect">
+                                  <p:stCondLst>
+                                    <p:cond delay="0"/>
+                                  </p:stCondLst>
+                                  <p:childTnLst>
+                                    <p:set>
+                                      <p:cBhvr>
+                                        <p:cTn id="12" dur="1" fill="hold">
+                                          <p:stCondLst>
+                                            <p:cond delay="0"/>
+                                          </p:stCondLst>
+                                        </p:cTn>
+                                        <p:tgtEl>
+                                          <p:spTgt spid="176133">
+                                            <p:txEl>
+                                              <p:pRg st="6" end="6"/>
+                                            </p:txEl>
+                                          </p:spTgt>
+                                        </p:tgtEl>
+                                        <p:attrNameLst>
+                                          <p:attrName>style.visibility</p:attrName>
+                                        </p:attrNameLst>
+                                      </p:cBhvr>
+                                      <p:to>
+                                        <p:strVal val="visible"/>
+                                      </p:to>
+                                    </p:set>
+                                  </p:childTnLst>
+                                </p:cTn>
+                              </p:par>
+                            </p:childTnLst>
+                          </p:cTn>
+                        </p:par>
+                      </p:childTnLst>
+                    </p:cTn>
+                  </p:par>
+                  <p:par>
+                    <p:cTn id="13" fill="hold">
+                      <p:stCondLst>
+                        <p:cond delay="indefinite"/>
+                      </p:stCondLst>
+                      <p:childTnLst>
+                        <p:par>
+                          <p:cTn id="14" fill="hold">
+                            <p:stCondLst>
+                              <p:cond delay="0"/>
+                            </p:stCondLst>
+                            <p:childTnLst>
+                              <p:par>
+                                <p:cTn id="15" presetID="1" presetClass="entr" presetSubtype="0" fill="hold" grpId="0" nodeType="clickEffect">
+                                  <p:stCondLst>
+                                    <p:cond delay="0"/>
+                                  </p:stCondLst>
+                                  <p:childTnLst>
+                                    <p:set>
+                                      <p:cBhvr>
+                                        <p:cTn id="16" dur="1" fill="hold">
+                                          <p:stCondLst>
+                                            <p:cond delay="0"/>
+                                          </p:stCondLst>
+                                        </p:cTn>
+                                        <p:tgtEl>
+                                          <p:spTgt spid="176133">
+                                            <p:txEl>
+                                              <p:pRg st="8" end="8"/>
+                                            </p:txEl>
+                                          </p:spTgt>
+                                        </p:tgtEl>
+                                        <p:attrNameLst>
+                                          <p:attrName>style.visibility</p:attrName>
+                                        </p:attrNameLst>
+                                      </p:cBhvr>
+                                      <p:to>
+                                        <p:strVal val="visible"/>
+                                      </p:to>
+                                    </p:set>
+                                  </p:childTnLst>
+                                </p:cTn>
+                              </p:par>
+                            </p:childTnLst>
+                          </p:cTn>
+                        </p:par>
+                        <p:par>
+                          <p:cTn id="17" fill="hold">
+                            <p:stCondLst>
+                              <p:cond delay="0"/>
+                            </p:stCondLst>
+                            <p:childTnLst>
+                              <p:par>
+                                <p:cTn id="18" presetID="1" presetClass="entr" presetSubtype="0" fill="hold" grpId="0" nodeType="afterEffect">
+                                  <p:stCondLst>
+                                    <p:cond delay="0"/>
+                                  </p:stCondLst>
+                                  <p:childTnLst>
+                                    <p:set>
+                                      <p:cBhvr>
+                                        <p:cTn id="19" dur="1" fill="hold">
+                                          <p:stCondLst>
+                                            <p:cond delay="0"/>
+                                          </p:stCondLst>
+                                        </p:cTn>
+                                        <p:tgtEl>
+                                          <p:spTgt spid="176133">
                                             <p:txEl>
                                               <p:pRg st="9" end="9"/>
                                             </p:txEl>
@@ -4595,12 +5654,15 @@
         </p:cTn>
       </p:par>
     </p:tnLst>
+    <p:bldLst>
+      <p:bldP spid="176133" grpId="0" uiExpand="1" build="p"/>
+    </p:bldLst>
   </p:timing>
 </p:sld>
 </file>
 
-<file path=ppt/slides/slide2.xml><?xml version="1.0" encoding="utf-8"?>
-<p:sld xmlns:a="http://schemas.openxmlformats.org/drawingml/2006/main" xmlns:r="http://schemas.openxmlformats.org/officeDocument/2006/relationships" xmlns:p="http://schemas.openxmlformats.org/presentationml/2006/main">
+<file path=ppt/slides/slide5.xml><?xml version="1.0" encoding="utf-8"?>
+<p:sld xmlns:a="http://schemas.openxmlformats.org/drawingml/2006/main" xmlns:r="http://schemas.openxmlformats.org/officeDocument/2006/relationships" xmlns:p="http://schemas.openxmlformats.org/presentationml/2006/main" showMasterPhAnim="0">
   <p:cSld>
     <p:spTree>
       <p:nvGrpSpPr>
@@ -4618,9 +5680,60 @@
       </p:grpSpPr>
       <p:sp>
         <p:nvSpPr>
-          <p:cNvPr id="2" name="Title 1"/>
+          <p:cNvPr id="6" name="Footer Placeholder 4"/>
           <p:cNvSpPr>
             <a:spLocks noGrp="1"/>
+          </p:cNvSpPr>
+          <p:nvPr>
+            <p:ph type="ftr" sz="quarter" idx="11"/>
+          </p:nvPr>
+        </p:nvSpPr>
+        <p:spPr/>
+        <p:txBody>
+          <a:bodyPr/>
+          <a:lstStyle/>
+          <a:p>
+            <a:r>
+              <a:rPr lang="en-US" smtClean="0"/>
+              <a:t>Inference Concepts</a:t>
+            </a:r>
+            <a:endParaRPr lang="en-US"/>
+          </a:p>
+        </p:txBody>
+      </p:sp>
+      <p:sp>
+        <p:nvSpPr>
+          <p:cNvPr id="7" name="Slide Number Placeholder 5"/>
+          <p:cNvSpPr>
+            <a:spLocks noGrp="1"/>
+          </p:cNvSpPr>
+          <p:nvPr>
+            <p:ph type="sldNum" sz="quarter" idx="12"/>
+          </p:nvPr>
+        </p:nvSpPr>
+        <p:spPr/>
+        <p:txBody>
+          <a:bodyPr/>
+          <a:lstStyle/>
+          <a:p>
+            <a:r>
+              <a:rPr lang="en-US"/>
+              <a:t>Slide #</a:t>
+            </a:r>
+            <a:fld id="{B688EE58-D69A-40CA-ABEC-FF6860B42866}" type="slidenum">
+              <a:rPr lang="en-US"/>
+              <a:pPr/>
+              <a:t>5</a:t>
+            </a:fld>
+            <a:endParaRPr lang="en-US"/>
+          </a:p>
+        </p:txBody>
+      </p:sp>
+      <p:sp>
+        <p:nvSpPr>
+          <p:cNvPr id="176132" name="Rectangle 4"/>
+          <p:cNvSpPr>
+            <a:spLocks noGrp="1" noChangeArrowheads="1"/>
           </p:cNvSpPr>
           <p:nvPr>
             <p:ph type="title"/>
@@ -4628,8 +5741,8 @@
         </p:nvSpPr>
         <p:spPr>
           <a:xfrm>
-            <a:off x="685800" y="76200"/>
-            <a:ext cx="7772400" cy="1143000"/>
+            <a:off x="228600" y="76200"/>
+            <a:ext cx="8686800" cy="838200"/>
           </a:xfrm>
         </p:spPr>
         <p:txBody>
@@ -4637,167 +5750,563 @@
           <a:lstStyle/>
           <a:p>
             <a:r>
-              <a:rPr lang="en-US" dirty="0" smtClean="0"/>
-              <a:t>Full Example</a:t>
-            </a:r>
-            <a:endParaRPr lang="en-US" dirty="0"/>
-          </a:p>
-        </p:txBody>
-      </p:sp>
-      <p:sp>
-        <p:nvSpPr>
-          <p:cNvPr id="3" name="Content Placeholder 2"/>
-          <p:cNvSpPr>
-            <a:spLocks noGrp="1"/>
-          </p:cNvSpPr>
-          <p:nvPr>
-            <p:ph idx="1"/>
+              <a:rPr lang="en-US" dirty="0"/>
+              <a:t>Recipe for any Hypothesis Test</a:t>
+            </a:r>
+          </a:p>
+        </p:txBody>
+      </p:sp>
+      <p:sp>
+        <p:nvSpPr>
+          <p:cNvPr id="176133" name="Rectangle 5"/>
+          <p:cNvSpPr>
+            <a:spLocks noGrp="1" noChangeArrowheads="1"/>
+          </p:cNvSpPr>
+          <p:nvPr>
+            <p:ph type="body" idx="1"/>
           </p:nvPr>
         </p:nvSpPr>
         <p:spPr>
           <a:xfrm>
-            <a:off x="457200" y="1219200"/>
-            <a:ext cx="8382000" cy="5181600"/>
+            <a:off x="152400" y="1143000"/>
+            <a:ext cx="8763000" cy="5257800"/>
           </a:xfrm>
         </p:spPr>
         <p:txBody>
           <a:bodyPr/>
           <a:lstStyle/>
           <a:p>
-            <a:pPr marL="0" indent="0">
+            <a:pPr marL="609600" indent="-609600">
+              <a:buFontTx/>
               <a:buNone/>
             </a:pPr>
             <a:r>
-              <a:rPr lang="en-US" dirty="0"/>
-              <a:t>The mean number of close friends for the population of people living in the U.S. is 5.7. The standard </a:t>
-            </a:r>
-            <a:r>
-              <a:rPr lang="en-US" dirty="0" smtClean="0"/>
-              <a:t>deviation </a:t>
-            </a:r>
-            <a:r>
-              <a:rPr lang="en-US" dirty="0"/>
-              <a:t>in </a:t>
-            </a:r>
-            <a:r>
-              <a:rPr lang="en-US" dirty="0" smtClean="0"/>
-              <a:t>this slightly skewed </a:t>
-            </a:r>
-            <a:r>
-              <a:rPr lang="en-US" dirty="0"/>
-              <a:t>population is 1.3. An investigator predicts that the mean number of close friends for introverts will </a:t>
-            </a:r>
-            <a:r>
-              <a:rPr lang="en-US" dirty="0" smtClean="0"/>
-              <a:t>be significantly </a:t>
-            </a:r>
-            <a:r>
-              <a:rPr lang="en-US" dirty="0"/>
-              <a:t>different from the mean of </a:t>
-            </a:r>
-            <a:r>
-              <a:rPr lang="en-US"/>
+              <a:rPr lang="en-US" sz="2400" b="1" dirty="0" smtClean="0"/>
+              <a:t>7</a:t>
+            </a:r>
+            <a:r>
+              <a:rPr lang="en-US" sz="2400" b="1" dirty="0"/>
+              <a:t>)  Calculate the appropriate test statistic</a:t>
+            </a:r>
+          </a:p>
+          <a:p>
+            <a:pPr marL="609600" indent="-609600">
+              <a:buFontTx/>
+              <a:buNone/>
+            </a:pPr>
+            <a:endParaRPr lang="en-US" sz="2400" b="1" dirty="0" smtClean="0"/>
+          </a:p>
+          <a:p>
+            <a:pPr marL="609600" indent="-609600">
+              <a:buFontTx/>
+              <a:buNone/>
+            </a:pPr>
+            <a:endParaRPr lang="en-US" sz="2400" b="1" dirty="0" smtClean="0"/>
+          </a:p>
+          <a:p>
+            <a:pPr marL="609600" indent="-609600">
+              <a:buFontTx/>
+              <a:buNone/>
+            </a:pPr>
+            <a:endParaRPr lang="en-US" sz="2400" b="1" dirty="0" smtClean="0"/>
+          </a:p>
+          <a:p>
+            <a:pPr marL="609600" indent="-609600">
+              <a:buFontTx/>
+              <a:buNone/>
+            </a:pPr>
+            <a:endParaRPr lang="en-US" sz="2400" b="1" dirty="0" smtClean="0"/>
+          </a:p>
+          <a:p>
+            <a:pPr marL="609600" indent="-609600">
+              <a:buFontTx/>
+              <a:buNone/>
+            </a:pPr>
+            <a:r>
+              <a:rPr lang="en-US" sz="2400" b="1" dirty="0" smtClean="0"/>
+              <a:t>8)  Calculate </a:t>
+            </a:r>
+            <a:r>
+              <a:rPr lang="en-US" sz="2400" b="1" dirty="0"/>
               <a:t>the </a:t>
             </a:r>
             <a:r>
-              <a:rPr lang="en-US" smtClean="0"/>
-              <a:t>general </a:t>
-            </a:r>
-            <a:r>
-              <a:rPr lang="en-US" dirty="0" smtClean="0"/>
-              <a:t>population</a:t>
-            </a:r>
-            <a:r>
-              <a:rPr lang="en-US" dirty="0"/>
-              <a:t>. The mean number of close friends for a </a:t>
-            </a:r>
-            <a:r>
-              <a:rPr lang="en-US" dirty="0" smtClean="0"/>
-              <a:t>random sample </a:t>
-            </a:r>
-            <a:r>
-              <a:rPr lang="en-US" dirty="0"/>
-              <a:t>of 26 introverts </a:t>
-            </a:r>
-            <a:r>
-              <a:rPr lang="en-US" dirty="0" smtClean="0"/>
-              <a:t>is 6.5</a:t>
-            </a:r>
-            <a:r>
-              <a:rPr lang="en-US" dirty="0"/>
-              <a:t>. Do these data </a:t>
-            </a:r>
-            <a:r>
-              <a:rPr lang="en-US" dirty="0" smtClean="0"/>
-              <a:t>support, at the 5% level, </a:t>
-            </a:r>
-            <a:r>
-              <a:rPr lang="en-US" dirty="0"/>
-              <a:t>the investigator's prediction</a:t>
-            </a:r>
-            <a:r>
-              <a:rPr lang="en-US" dirty="0" smtClean="0"/>
-              <a:t>?</a:t>
-            </a:r>
-            <a:endParaRPr lang="en-US" dirty="0"/>
-          </a:p>
-        </p:txBody>
-      </p:sp>
-      <p:sp>
-        <p:nvSpPr>
-          <p:cNvPr id="4" name="Footer Placeholder 3"/>
-          <p:cNvSpPr>
-            <a:spLocks noGrp="1"/>
-          </p:cNvSpPr>
-          <p:nvPr>
-            <p:ph type="ftr" sz="quarter" idx="11"/>
-          </p:nvPr>
-        </p:nvSpPr>
-        <p:spPr/>
-        <p:txBody>
-          <a:bodyPr/>
+              <a:rPr lang="en-US" sz="2400" b="1" dirty="0" smtClean="0"/>
+              <a:t>p-value</a:t>
+            </a:r>
+          </a:p>
+          <a:p>
+            <a:pPr marL="609600" indent="-609600">
+              <a:buFontTx/>
+              <a:buNone/>
+            </a:pPr>
+            <a:endParaRPr lang="en-US" sz="2400" b="1" dirty="0" smtClean="0"/>
+          </a:p>
+        </p:txBody>
+      </p:sp>
+      <p:graphicFrame>
+        <p:nvGraphicFramePr>
+          <p:cNvPr id="8" name="Object 6"/>
+          <p:cNvGraphicFramePr>
+            <a:graphicFrameLocks noChangeAspect="1"/>
+          </p:cNvGraphicFramePr>
+          <p:nvPr>
+            <p:extLst>
+              <p:ext uri="{D42A27DB-BD31-4B8C-83A1-F6EECF244321}">
+                <p14:modId xmlns:p14="http://schemas.microsoft.com/office/powerpoint/2010/main" val="2733105124"/>
+              </p:ext>
+            </p:extLst>
+          </p:nvPr>
+        </p:nvGraphicFramePr>
+        <p:xfrm>
+          <a:off x="860425" y="1676400"/>
+          <a:ext cx="2041525" cy="1385888"/>
+        </p:xfrm>
+        <a:graphic>
+          <a:graphicData uri="http://schemas.openxmlformats.org/presentationml/2006/ole">
+            <mc:AlternateContent xmlns:mc="http://schemas.openxmlformats.org/markup-compatibility/2006">
+              <mc:Choice xmlns:v="urn:schemas-microsoft-com:vml" Requires="v">
+                <p:oleObj spid="_x0000_s178207" name="Equation" r:id="rId3" imgW="672840" imgH="457200" progId="Equation.3">
+                  <p:embed/>
+                </p:oleObj>
+              </mc:Choice>
+              <mc:Fallback>
+                <p:oleObj name="Equation" r:id="rId3" imgW="672840" imgH="457200" progId="Equation.3">
+                  <p:embed/>
+                  <p:pic>
+                    <p:nvPicPr>
+                      <p:cNvPr id="0" name=""/>
+                      <p:cNvPicPr>
+                        <a:picLocks noChangeAspect="1" noChangeArrowheads="1"/>
+                      </p:cNvPicPr>
+                      <p:nvPr/>
+                    </p:nvPicPr>
+                    <p:blipFill>
+                      <a:blip r:embed="rId4">
+                        <a:extLst>
+                          <a:ext uri="{28A0092B-C50C-407E-A947-70E740481C1C}">
+                            <a14:useLocalDpi xmlns:a14="http://schemas.microsoft.com/office/drawing/2010/main" val="0"/>
+                          </a:ext>
+                        </a:extLst>
+                      </a:blip>
+                      <a:srcRect/>
+                      <a:stretch>
+                        <a:fillRect/>
+                      </a:stretch>
+                    </p:blipFill>
+                    <p:spPr bwMode="auto">
+                      <a:xfrm>
+                        <a:off x="860425" y="1676400"/>
+                        <a:ext cx="2041525" cy="1385888"/>
+                      </a:xfrm>
+                      <a:prstGeom prst="rect">
+                        <a:avLst/>
+                      </a:prstGeom>
+                      <a:noFill/>
+                      <a:extLst>
+                        <a:ext uri="{909E8E84-426E-40DD-AFC4-6F175D3DCCD1}">
+                          <a14:hiddenFill xmlns:a14="http://schemas.microsoft.com/office/drawing/2010/main">
+                            <a:solidFill>
+                              <a:srgbClr val="FFFFFF"/>
+                            </a:solidFill>
+                          </a14:hiddenFill>
+                        </a:ext>
+                      </a:extLst>
+                    </p:spPr>
+                  </p:pic>
+                </p:oleObj>
+              </mc:Fallback>
+            </mc:AlternateContent>
+          </a:graphicData>
+        </a:graphic>
+      </p:graphicFrame>
+      <p:graphicFrame>
+        <p:nvGraphicFramePr>
+          <p:cNvPr id="9" name="Object 6"/>
+          <p:cNvGraphicFramePr>
+            <a:graphicFrameLocks noChangeAspect="1"/>
+          </p:cNvGraphicFramePr>
+          <p:nvPr>
+            <p:extLst>
+              <p:ext uri="{D42A27DB-BD31-4B8C-83A1-F6EECF244321}">
+                <p14:modId xmlns:p14="http://schemas.microsoft.com/office/powerpoint/2010/main" val="516222290"/>
+              </p:ext>
+            </p:extLst>
+          </p:nvPr>
+        </p:nvGraphicFramePr>
+        <p:xfrm>
+          <a:off x="2819400" y="1676400"/>
+          <a:ext cx="2117725" cy="1385888"/>
+        </p:xfrm>
+        <a:graphic>
+          <a:graphicData uri="http://schemas.openxmlformats.org/presentationml/2006/ole">
+            <mc:AlternateContent xmlns:mc="http://schemas.openxmlformats.org/markup-compatibility/2006">
+              <mc:Choice xmlns:v="urn:schemas-microsoft-com:vml" Requires="v">
+                <p:oleObj spid="_x0000_s178208" name="Equation" r:id="rId5" imgW="698400" imgH="457200" progId="Equation.3">
+                  <p:embed/>
+                </p:oleObj>
+              </mc:Choice>
+              <mc:Fallback>
+                <p:oleObj name="Equation" r:id="rId5" imgW="698400" imgH="457200" progId="Equation.3">
+                  <p:embed/>
+                  <p:pic>
+                    <p:nvPicPr>
+                      <p:cNvPr id="0" name=""/>
+                      <p:cNvPicPr>
+                        <a:picLocks noChangeAspect="1" noChangeArrowheads="1"/>
+                      </p:cNvPicPr>
+                      <p:nvPr/>
+                    </p:nvPicPr>
+                    <p:blipFill>
+                      <a:blip r:embed="rId6"/>
+                      <a:srcRect/>
+                      <a:stretch>
+                        <a:fillRect/>
+                      </a:stretch>
+                    </p:blipFill>
+                    <p:spPr bwMode="auto">
+                      <a:xfrm>
+                        <a:off x="2819400" y="1676400"/>
+                        <a:ext cx="2117725" cy="1385888"/>
+                      </a:xfrm>
+                      <a:prstGeom prst="rect">
+                        <a:avLst/>
+                      </a:prstGeom>
+                      <a:noFill/>
+                      <a:extLst>
+                        <a:ext uri="{909E8E84-426E-40DD-AFC4-6F175D3DCCD1}">
+                          <a14:hiddenFill xmlns:a14="http://schemas.microsoft.com/office/drawing/2010/main">
+                            <a:solidFill>
+                              <a:srgbClr val="FFFFFF"/>
+                            </a:solidFill>
+                          </a14:hiddenFill>
+                        </a:ext>
+                      </a:extLst>
+                    </p:spPr>
+                  </p:pic>
+                </p:oleObj>
+              </mc:Fallback>
+            </mc:AlternateContent>
+          </a:graphicData>
+        </a:graphic>
+      </p:graphicFrame>
+      <p:graphicFrame>
+        <p:nvGraphicFramePr>
+          <p:cNvPr id="10" name="Object 6"/>
+          <p:cNvGraphicFramePr>
+            <a:graphicFrameLocks noChangeAspect="1"/>
+          </p:cNvGraphicFramePr>
+          <p:nvPr>
+            <p:extLst>
+              <p:ext uri="{D42A27DB-BD31-4B8C-83A1-F6EECF244321}">
+                <p14:modId xmlns:p14="http://schemas.microsoft.com/office/powerpoint/2010/main" val="3891093763"/>
+              </p:ext>
+            </p:extLst>
+          </p:nvPr>
+        </p:nvGraphicFramePr>
+        <p:xfrm>
+          <a:off x="4899025" y="1676400"/>
+          <a:ext cx="1617662" cy="1192212"/>
+        </p:xfrm>
+        <a:graphic>
+          <a:graphicData uri="http://schemas.openxmlformats.org/presentationml/2006/ole">
+            <mc:AlternateContent xmlns:mc="http://schemas.openxmlformats.org/markup-compatibility/2006">
+              <mc:Choice xmlns:v="urn:schemas-microsoft-com:vml" Requires="v">
+                <p:oleObj spid="_x0000_s178209" name="Equation" r:id="rId7" imgW="533160" imgH="393480" progId="Equation.3">
+                  <p:embed/>
+                </p:oleObj>
+              </mc:Choice>
+              <mc:Fallback>
+                <p:oleObj name="Equation" r:id="rId7" imgW="533160" imgH="393480" progId="Equation.3">
+                  <p:embed/>
+                  <p:pic>
+                    <p:nvPicPr>
+                      <p:cNvPr id="0" name=""/>
+                      <p:cNvPicPr>
+                        <a:picLocks noChangeAspect="1" noChangeArrowheads="1"/>
+                      </p:cNvPicPr>
+                      <p:nvPr/>
+                    </p:nvPicPr>
+                    <p:blipFill>
+                      <a:blip r:embed="rId8"/>
+                      <a:srcRect/>
+                      <a:stretch>
+                        <a:fillRect/>
+                      </a:stretch>
+                    </p:blipFill>
+                    <p:spPr bwMode="auto">
+                      <a:xfrm>
+                        <a:off x="4899025" y="1676400"/>
+                        <a:ext cx="1617662" cy="1192212"/>
+                      </a:xfrm>
+                      <a:prstGeom prst="rect">
+                        <a:avLst/>
+                      </a:prstGeom>
+                      <a:noFill/>
+                      <a:extLst>
+                        <a:ext uri="{909E8E84-426E-40DD-AFC4-6F175D3DCCD1}">
+                          <a14:hiddenFill xmlns:a14="http://schemas.microsoft.com/office/drawing/2010/main">
+                            <a:solidFill>
+                              <a:srgbClr val="FFFFFF"/>
+                            </a:solidFill>
+                          </a14:hiddenFill>
+                        </a:ext>
+                      </a:extLst>
+                    </p:spPr>
+                  </p:pic>
+                </p:oleObj>
+              </mc:Fallback>
+            </mc:AlternateContent>
+          </a:graphicData>
+        </a:graphic>
+      </p:graphicFrame>
+      <p:graphicFrame>
+        <p:nvGraphicFramePr>
+          <p:cNvPr id="11" name="Object 6"/>
+          <p:cNvGraphicFramePr>
+            <a:graphicFrameLocks noChangeAspect="1"/>
+          </p:cNvGraphicFramePr>
+          <p:nvPr>
+            <p:extLst>
+              <p:ext uri="{D42A27DB-BD31-4B8C-83A1-F6EECF244321}">
+                <p14:modId xmlns:p14="http://schemas.microsoft.com/office/powerpoint/2010/main" val="4060410319"/>
+              </p:ext>
+            </p:extLst>
+          </p:nvPr>
+        </p:nvGraphicFramePr>
+        <p:xfrm>
+          <a:off x="6537325" y="2003425"/>
+          <a:ext cx="1539875" cy="538163"/>
+        </p:xfrm>
+        <a:graphic>
+          <a:graphicData uri="http://schemas.openxmlformats.org/presentationml/2006/ole">
+            <mc:AlternateContent xmlns:mc="http://schemas.openxmlformats.org/markup-compatibility/2006">
+              <mc:Choice xmlns:v="urn:schemas-microsoft-com:vml" Requires="v">
+                <p:oleObj spid="_x0000_s178210" name="Equation" r:id="rId9" imgW="507960" imgH="177480" progId="Equation.3">
+                  <p:embed/>
+                </p:oleObj>
+              </mc:Choice>
+              <mc:Fallback>
+                <p:oleObj name="Equation" r:id="rId9" imgW="507960" imgH="177480" progId="Equation.3">
+                  <p:embed/>
+                  <p:pic>
+                    <p:nvPicPr>
+                      <p:cNvPr id="0" name=""/>
+                      <p:cNvPicPr>
+                        <a:picLocks noChangeAspect="1" noChangeArrowheads="1"/>
+                      </p:cNvPicPr>
+                      <p:nvPr/>
+                    </p:nvPicPr>
+                    <p:blipFill>
+                      <a:blip r:embed="rId10"/>
+                      <a:srcRect/>
+                      <a:stretch>
+                        <a:fillRect/>
+                      </a:stretch>
+                    </p:blipFill>
+                    <p:spPr bwMode="auto">
+                      <a:xfrm>
+                        <a:off x="6537325" y="2003425"/>
+                        <a:ext cx="1539875" cy="538163"/>
+                      </a:xfrm>
+                      <a:prstGeom prst="rect">
+                        <a:avLst/>
+                      </a:prstGeom>
+                      <a:noFill/>
+                      <a:extLst>
+                        <a:ext uri="{909E8E84-426E-40DD-AFC4-6F175D3DCCD1}">
+                          <a14:hiddenFill xmlns:a14="http://schemas.microsoft.com/office/drawing/2010/main">
+                            <a:solidFill>
+                              <a:srgbClr val="FFFFFF"/>
+                            </a:solidFill>
+                          </a14:hiddenFill>
+                        </a:ext>
+                      </a:extLst>
+                    </p:spPr>
+                  </p:pic>
+                </p:oleObj>
+              </mc:Fallback>
+            </mc:AlternateContent>
+          </a:graphicData>
+        </a:graphic>
+      </p:graphicFrame>
+      <p:sp>
+        <p:nvSpPr>
+          <p:cNvPr id="3" name="Rectangle 2"/>
+          <p:cNvSpPr>
+            <a:spLocks noChangeArrowheads="1"/>
+          </p:cNvSpPr>
+          <p:nvPr/>
+        </p:nvSpPr>
+        <p:spPr bwMode="auto">
+          <a:xfrm>
+            <a:off x="132778" y="3886200"/>
+            <a:ext cx="4363022" cy="492443"/>
+          </a:xfrm>
+          <a:prstGeom prst="rect">
+            <a:avLst/>
+          </a:prstGeom>
+          <a:solidFill>
+            <a:srgbClr val="FFFFFF"/>
+          </a:solidFill>
+          <a:ln>
+            <a:noFill/>
+          </a:ln>
+          <a:effectLst/>
+          <a:extLst>
+            <a:ext uri="{91240B29-F687-4F45-9708-019B960494DF}">
+              <a14:hiddenLine xmlns:a14="http://schemas.microsoft.com/office/drawing/2010/main" w="9525">
+                <a:solidFill>
+                  <a:schemeClr val="tx1"/>
+                </a:solidFill>
+                <a:miter lim="800000"/>
+                <a:headEnd/>
+                <a:tailEnd/>
+              </a14:hiddenLine>
+            </a:ext>
+            <a:ext uri="{AF507438-7753-43E0-B8FC-AC1667EBCBE1}">
+              <a14:hiddenEffects xmlns:a14="http://schemas.microsoft.com/office/drawing/2010/main">
+                <a:effectLst>
+                  <a:outerShdw dist="35921" dir="2700000" algn="ctr" rotWithShape="0">
+                    <a:schemeClr val="bg2"/>
+                  </a:outerShdw>
+                </a:effectLst>
+              </a14:hiddenEffects>
+            </a:ext>
+          </a:extLst>
+        </p:spPr>
+        <p:txBody>
+          <a:bodyPr vert="horz" wrap="square" lIns="0" tIns="0" rIns="0" bIns="0" numCol="1" anchor="ctr" anchorCtr="0" compatLnSpc="1">
+            <a:prstTxWarp prst="textNoShape">
+              <a:avLst/>
+            </a:prstTxWarp>
+            <a:spAutoFit/>
+          </a:bodyPr>
           <a:lstStyle/>
           <a:p>
-            <a:r>
-              <a:rPr lang="en-US" smtClean="0"/>
-              <a:t>Inference Concepts</a:t>
-            </a:r>
-            <a:endParaRPr lang="en-US"/>
-          </a:p>
-        </p:txBody>
-      </p:sp>
-      <p:sp>
-        <p:nvSpPr>
-          <p:cNvPr id="5" name="Slide Number Placeholder 4"/>
-          <p:cNvSpPr>
-            <a:spLocks noGrp="1"/>
-          </p:cNvSpPr>
-          <p:nvPr>
-            <p:ph type="sldNum" sz="quarter" idx="12"/>
-          </p:nvPr>
-        </p:nvSpPr>
-        <p:spPr/>
-        <p:txBody>
-          <a:bodyPr/>
-          <a:lstStyle/>
-          <a:p>
-            <a:r>
-              <a:rPr lang="en-US" smtClean="0"/>
-              <a:t>Slide #</a:t>
-            </a:r>
-            <a:fld id="{0ABA6BC8-16A3-4F17-9C7D-D1675927FF47}" type="slidenum">
-              <a:rPr lang="en-US" smtClean="0"/>
-              <a:pPr/>
-              <a:t>2</a:t>
-            </a:fld>
-            <a:endParaRPr lang="en-US"/>
-          </a:p>
-        </p:txBody>
-      </p:sp>
+            <a:pPr marR="0" lvl="0" algn="l" defTabSz="914400" rtl="0" eaLnBrk="0" fontAlgn="base" latinLnBrk="0" hangingPunct="0">
+              <a:lnSpc>
+                <a:spcPct val="100000"/>
+              </a:lnSpc>
+              <a:spcBef>
+                <a:spcPct val="0"/>
+              </a:spcBef>
+              <a:spcAft>
+                <a:spcPct val="0"/>
+              </a:spcAft>
+              <a:buClrTx/>
+              <a:buSzTx/>
+              <a:tabLst/>
+            </a:pPr>
+            <a:r>
+              <a:rPr kumimoji="0" lang="en-US" altLang="en-US" sz="1600" b="0" i="0" u="none" strike="noStrike" cap="none" normalizeH="0" baseline="0" dirty="0" smtClean="0">
+                <a:ln>
+                  <a:noFill/>
+                </a:ln>
+                <a:solidFill>
+                  <a:srgbClr val="930F80"/>
+                </a:solidFill>
+                <a:effectLst/>
+                <a:latin typeface="Lucida Console" panose="020B0609040504020204" pitchFamily="49" charset="0"/>
+              </a:rPr>
+              <a:t>&gt; 2*</a:t>
+            </a:r>
+            <a:r>
+              <a:rPr kumimoji="0" lang="en-US" altLang="en-US" sz="1600" b="0" i="0" u="none" strike="noStrike" cap="none" normalizeH="0" baseline="0" dirty="0" err="1" smtClean="0">
+                <a:ln>
+                  <a:noFill/>
+                </a:ln>
+                <a:solidFill>
+                  <a:srgbClr val="930F80"/>
+                </a:solidFill>
+                <a:effectLst/>
+                <a:latin typeface="Lucida Console" panose="020B0609040504020204" pitchFamily="49" charset="0"/>
+              </a:rPr>
+              <a:t>distrib</a:t>
+            </a:r>
+            <a:r>
+              <a:rPr kumimoji="0" lang="en-US" altLang="en-US" sz="1600" b="0" i="0" u="none" strike="noStrike" cap="none" normalizeH="0" baseline="0" dirty="0" smtClean="0">
+                <a:ln>
+                  <a:noFill/>
+                </a:ln>
+                <a:solidFill>
+                  <a:srgbClr val="930F80"/>
+                </a:solidFill>
+                <a:effectLst/>
+                <a:latin typeface="Lucida Console" panose="020B0609040504020204" pitchFamily="49" charset="0"/>
+              </a:rPr>
+              <a:t>(3.137,lower.tail=FALSE)</a:t>
+            </a:r>
+          </a:p>
+          <a:p>
+            <a:pPr marR="0" lvl="0" algn="l" defTabSz="914400" rtl="0" eaLnBrk="0" fontAlgn="base" latinLnBrk="0" hangingPunct="0">
+              <a:lnSpc>
+                <a:spcPct val="100000"/>
+              </a:lnSpc>
+              <a:spcBef>
+                <a:spcPct val="0"/>
+              </a:spcBef>
+              <a:spcAft>
+                <a:spcPct val="0"/>
+              </a:spcAft>
+              <a:buClrTx/>
+              <a:buSzTx/>
+              <a:tabLst/>
+            </a:pPr>
+            <a:r>
+              <a:rPr kumimoji="0" lang="en-US" altLang="en-US" sz="1600" b="0" i="0" u="none" strike="noStrike" cap="none" normalizeH="0" baseline="0" dirty="0" smtClean="0">
+                <a:ln>
+                  <a:noFill/>
+                </a:ln>
+                <a:solidFill>
+                  <a:srgbClr val="000000"/>
+                </a:solidFill>
+                <a:effectLst/>
+                <a:latin typeface="Lucida Console" panose="020B0609040504020204" pitchFamily="49" charset="0"/>
+              </a:rPr>
+              <a:t>[1] 0.001706861</a:t>
+            </a:r>
+            <a:endParaRPr kumimoji="0" lang="en-US" altLang="en-US" sz="2800" b="0" i="0" u="none" strike="noStrike" cap="none" normalizeH="0" baseline="0" dirty="0" smtClean="0">
+              <a:ln>
+                <a:noFill/>
+              </a:ln>
+              <a:solidFill>
+                <a:schemeClr val="tx1"/>
+              </a:solidFill>
+              <a:effectLst/>
+              <a:latin typeface="Arial" panose="020B0604020202020204" pitchFamily="34" charset="0"/>
+            </a:endParaRPr>
+          </a:p>
+        </p:txBody>
+      </p:sp>
+      <p:pic>
+        <p:nvPicPr>
+          <p:cNvPr id="4" name="Picture 3"/>
+          <p:cNvPicPr>
+            <a:picLocks noChangeAspect="1"/>
+          </p:cNvPicPr>
+          <p:nvPr/>
+        </p:nvPicPr>
+        <p:blipFill>
+          <a:blip r:embed="rId11"/>
+          <a:stretch>
+            <a:fillRect/>
+          </a:stretch>
+        </p:blipFill>
+        <p:spPr>
+          <a:xfrm>
+            <a:off x="4572001" y="3467070"/>
+            <a:ext cx="4579188" cy="3086130"/>
+          </a:xfrm>
+          <a:prstGeom prst="rect">
+            <a:avLst/>
+          </a:prstGeom>
+        </p:spPr>
+      </p:pic>
     </p:spTree>
     <p:extLst>
       <p:ext uri="{BB962C8B-B14F-4D97-AF65-F5344CB8AC3E}">
-        <p14:creationId xmlns:p14="http://schemas.microsoft.com/office/powerpoint/2010/main" val="58025737"/>
+        <p14:creationId xmlns:p14="http://schemas.microsoft.com/office/powerpoint/2010/main" val="958816834"/>
       </p:ext>
     </p:extLst>
   </p:cSld>
@@ -4807,9 +6316,1275 @@
   <p:timing>
     <p:tnLst>
       <p:par>
-        <p:cTn id="1" dur="indefinite" restart="never" nodeType="tmRoot"/>
+        <p:cTn id="1" dur="indefinite" restart="never" nodeType="tmRoot">
+          <p:childTnLst>
+            <p:seq concurrent="1" nextAc="seek">
+              <p:cTn id="2" dur="indefinite" nodeType="mainSeq">
+                <p:childTnLst>
+                  <p:par>
+                    <p:cTn id="3" fill="hold">
+                      <p:stCondLst>
+                        <p:cond delay="indefinite"/>
+                      </p:stCondLst>
+                      <p:childTnLst>
+                        <p:par>
+                          <p:cTn id="4" fill="hold">
+                            <p:stCondLst>
+                              <p:cond delay="0"/>
+                            </p:stCondLst>
+                            <p:childTnLst>
+                              <p:par>
+                                <p:cTn id="5" presetID="1" presetClass="entr" presetSubtype="0" fill="hold" nodeType="clickEffect">
+                                  <p:stCondLst>
+                                    <p:cond delay="0"/>
+                                  </p:stCondLst>
+                                  <p:childTnLst>
+                                    <p:set>
+                                      <p:cBhvr>
+                                        <p:cTn id="6" dur="1" fill="hold">
+                                          <p:stCondLst>
+                                            <p:cond delay="0"/>
+                                          </p:stCondLst>
+                                        </p:cTn>
+                                        <p:tgtEl>
+                                          <p:spTgt spid="9"/>
+                                        </p:tgtEl>
+                                        <p:attrNameLst>
+                                          <p:attrName>style.visibility</p:attrName>
+                                        </p:attrNameLst>
+                                      </p:cBhvr>
+                                      <p:to>
+                                        <p:strVal val="visible"/>
+                                      </p:to>
+                                    </p:set>
+                                  </p:childTnLst>
+                                </p:cTn>
+                              </p:par>
+                            </p:childTnLst>
+                          </p:cTn>
+                        </p:par>
+                      </p:childTnLst>
+                    </p:cTn>
+                  </p:par>
+                  <p:par>
+                    <p:cTn id="7" fill="hold">
+                      <p:stCondLst>
+                        <p:cond delay="indefinite"/>
+                      </p:stCondLst>
+                      <p:childTnLst>
+                        <p:par>
+                          <p:cTn id="8" fill="hold">
+                            <p:stCondLst>
+                              <p:cond delay="0"/>
+                            </p:stCondLst>
+                            <p:childTnLst>
+                              <p:par>
+                                <p:cTn id="9" presetID="1" presetClass="entr" presetSubtype="0" fill="hold" nodeType="clickEffect">
+                                  <p:stCondLst>
+                                    <p:cond delay="0"/>
+                                  </p:stCondLst>
+                                  <p:childTnLst>
+                                    <p:set>
+                                      <p:cBhvr>
+                                        <p:cTn id="10" dur="1" fill="hold">
+                                          <p:stCondLst>
+                                            <p:cond delay="0"/>
+                                          </p:stCondLst>
+                                        </p:cTn>
+                                        <p:tgtEl>
+                                          <p:spTgt spid="10"/>
+                                        </p:tgtEl>
+                                        <p:attrNameLst>
+                                          <p:attrName>style.visibility</p:attrName>
+                                        </p:attrNameLst>
+                                      </p:cBhvr>
+                                      <p:to>
+                                        <p:strVal val="visible"/>
+                                      </p:to>
+                                    </p:set>
+                                  </p:childTnLst>
+                                </p:cTn>
+                              </p:par>
+                            </p:childTnLst>
+                          </p:cTn>
+                        </p:par>
+                      </p:childTnLst>
+                    </p:cTn>
+                  </p:par>
+                  <p:par>
+                    <p:cTn id="11" fill="hold">
+                      <p:stCondLst>
+                        <p:cond delay="indefinite"/>
+                      </p:stCondLst>
+                      <p:childTnLst>
+                        <p:par>
+                          <p:cTn id="12" fill="hold">
+                            <p:stCondLst>
+                              <p:cond delay="0"/>
+                            </p:stCondLst>
+                            <p:childTnLst>
+                              <p:par>
+                                <p:cTn id="13" presetID="1" presetClass="entr" presetSubtype="0" fill="hold" nodeType="clickEffect">
+                                  <p:stCondLst>
+                                    <p:cond delay="0"/>
+                                  </p:stCondLst>
+                                  <p:childTnLst>
+                                    <p:set>
+                                      <p:cBhvr>
+                                        <p:cTn id="14" dur="1" fill="hold">
+                                          <p:stCondLst>
+                                            <p:cond delay="0"/>
+                                          </p:stCondLst>
+                                        </p:cTn>
+                                        <p:tgtEl>
+                                          <p:spTgt spid="11"/>
+                                        </p:tgtEl>
+                                        <p:attrNameLst>
+                                          <p:attrName>style.visibility</p:attrName>
+                                        </p:attrNameLst>
+                                      </p:cBhvr>
+                                      <p:to>
+                                        <p:strVal val="visible"/>
+                                      </p:to>
+                                    </p:set>
+                                  </p:childTnLst>
+                                </p:cTn>
+                              </p:par>
+                            </p:childTnLst>
+                          </p:cTn>
+                        </p:par>
+                      </p:childTnLst>
+                    </p:cTn>
+                  </p:par>
+                  <p:par>
+                    <p:cTn id="15" fill="hold">
+                      <p:stCondLst>
+                        <p:cond delay="indefinite"/>
+                      </p:stCondLst>
+                      <p:childTnLst>
+                        <p:par>
+                          <p:cTn id="16" fill="hold">
+                            <p:stCondLst>
+                              <p:cond delay="0"/>
+                            </p:stCondLst>
+                            <p:childTnLst>
+                              <p:par>
+                                <p:cTn id="17" presetID="1" presetClass="entr" presetSubtype="0" fill="hold" grpId="0" nodeType="clickEffect">
+                                  <p:stCondLst>
+                                    <p:cond delay="0"/>
+                                  </p:stCondLst>
+                                  <p:childTnLst>
+                                    <p:set>
+                                      <p:cBhvr>
+                                        <p:cTn id="18" dur="1" fill="hold">
+                                          <p:stCondLst>
+                                            <p:cond delay="0"/>
+                                          </p:stCondLst>
+                                        </p:cTn>
+                                        <p:tgtEl>
+                                          <p:spTgt spid="176133">
+                                            <p:txEl>
+                                              <p:pRg st="5" end="5"/>
+                                            </p:txEl>
+                                          </p:spTgt>
+                                        </p:tgtEl>
+                                        <p:attrNameLst>
+                                          <p:attrName>style.visibility</p:attrName>
+                                        </p:attrNameLst>
+                                      </p:cBhvr>
+                                      <p:to>
+                                        <p:strVal val="visible"/>
+                                      </p:to>
+                                    </p:set>
+                                  </p:childTnLst>
+                                </p:cTn>
+                              </p:par>
+                            </p:childTnLst>
+                          </p:cTn>
+                        </p:par>
+                        <p:par>
+                          <p:cTn id="19" fill="hold">
+                            <p:stCondLst>
+                              <p:cond delay="0"/>
+                            </p:stCondLst>
+                            <p:childTnLst>
+                              <p:par>
+                                <p:cTn id="20" presetID="1" presetClass="entr" presetSubtype="0" fill="hold" grpId="0" nodeType="afterEffect">
+                                  <p:stCondLst>
+                                    <p:cond delay="0"/>
+                                  </p:stCondLst>
+                                  <p:childTnLst>
+                                    <p:set>
+                                      <p:cBhvr>
+                                        <p:cTn id="21" dur="1" fill="hold">
+                                          <p:stCondLst>
+                                            <p:cond delay="0"/>
+                                          </p:stCondLst>
+                                        </p:cTn>
+                                        <p:tgtEl>
+                                          <p:spTgt spid="3"/>
+                                        </p:tgtEl>
+                                        <p:attrNameLst>
+                                          <p:attrName>style.visibility</p:attrName>
+                                        </p:attrNameLst>
+                                      </p:cBhvr>
+                                      <p:to>
+                                        <p:strVal val="visible"/>
+                                      </p:to>
+                                    </p:set>
+                                  </p:childTnLst>
+                                </p:cTn>
+                              </p:par>
+                              <p:par>
+                                <p:cTn id="22" presetID="1" presetClass="entr" presetSubtype="0" fill="hold" nodeType="withEffect">
+                                  <p:stCondLst>
+                                    <p:cond delay="0"/>
+                                  </p:stCondLst>
+                                  <p:childTnLst>
+                                    <p:set>
+                                      <p:cBhvr>
+                                        <p:cTn id="23" dur="1" fill="hold">
+                                          <p:stCondLst>
+                                            <p:cond delay="0"/>
+                                          </p:stCondLst>
+                                        </p:cTn>
+                                        <p:tgtEl>
+                                          <p:spTgt spid="4"/>
+                                        </p:tgtEl>
+                                        <p:attrNameLst>
+                                          <p:attrName>style.visibility</p:attrName>
+                                        </p:attrNameLst>
+                                      </p:cBhvr>
+                                      <p:to>
+                                        <p:strVal val="visible"/>
+                                      </p:to>
+                                    </p:set>
+                                  </p:childTnLst>
+                                </p:cTn>
+                              </p:par>
+                            </p:childTnLst>
+                          </p:cTn>
+                        </p:par>
+                      </p:childTnLst>
+                    </p:cTn>
+                  </p:par>
+                </p:childTnLst>
+              </p:cTn>
+              <p:prevCondLst>
+                <p:cond evt="onPrev" delay="0">
+                  <p:tgtEl>
+                    <p:sldTgt/>
+                  </p:tgtEl>
+                </p:cond>
+              </p:prevCondLst>
+              <p:nextCondLst>
+                <p:cond evt="onNext" delay="0">
+                  <p:tgtEl>
+                    <p:sldTgt/>
+                  </p:tgtEl>
+                </p:cond>
+              </p:nextCondLst>
+            </p:seq>
+          </p:childTnLst>
+        </p:cTn>
       </p:par>
     </p:tnLst>
+    <p:bldLst>
+      <p:bldP spid="176133" grpId="0" uiExpand="1" build="p"/>
+      <p:bldP spid="3" grpId="0" animBg="1"/>
+    </p:bldLst>
+  </p:timing>
+</p:sld>
+</file>
+
+<file path=ppt/slides/slide6.xml><?xml version="1.0" encoding="utf-8"?>
+<p:sld xmlns:a="http://schemas.openxmlformats.org/drawingml/2006/main" xmlns:r="http://schemas.openxmlformats.org/officeDocument/2006/relationships" xmlns:p="http://schemas.openxmlformats.org/presentationml/2006/main" showMasterPhAnim="0">
+  <p:cSld>
+    <p:spTree>
+      <p:nvGrpSpPr>
+        <p:cNvPr id="1" name=""/>
+        <p:cNvGrpSpPr/>
+        <p:nvPr/>
+      </p:nvGrpSpPr>
+      <p:grpSpPr>
+        <a:xfrm>
+          <a:off x="0" y="0"/>
+          <a:ext cx="0" cy="0"/>
+          <a:chOff x="0" y="0"/>
+          <a:chExt cx="0" cy="0"/>
+        </a:xfrm>
+      </p:grpSpPr>
+      <p:sp>
+        <p:nvSpPr>
+          <p:cNvPr id="6" name="Footer Placeholder 4"/>
+          <p:cNvSpPr>
+            <a:spLocks noGrp="1"/>
+          </p:cNvSpPr>
+          <p:nvPr>
+            <p:ph type="ftr" sz="quarter" idx="11"/>
+          </p:nvPr>
+        </p:nvSpPr>
+        <p:spPr/>
+        <p:txBody>
+          <a:bodyPr/>
+          <a:lstStyle/>
+          <a:p>
+            <a:r>
+              <a:rPr lang="en-US" smtClean="0"/>
+              <a:t>Inference Concepts</a:t>
+            </a:r>
+            <a:endParaRPr lang="en-US"/>
+          </a:p>
+        </p:txBody>
+      </p:sp>
+      <p:sp>
+        <p:nvSpPr>
+          <p:cNvPr id="7" name="Slide Number Placeholder 5"/>
+          <p:cNvSpPr>
+            <a:spLocks noGrp="1"/>
+          </p:cNvSpPr>
+          <p:nvPr>
+            <p:ph type="sldNum" sz="quarter" idx="12"/>
+          </p:nvPr>
+        </p:nvSpPr>
+        <p:spPr/>
+        <p:txBody>
+          <a:bodyPr/>
+          <a:lstStyle/>
+          <a:p>
+            <a:r>
+              <a:rPr lang="en-US"/>
+              <a:t>Slide #</a:t>
+            </a:r>
+            <a:fld id="{B688EE58-D69A-40CA-ABEC-FF6860B42866}" type="slidenum">
+              <a:rPr lang="en-US"/>
+              <a:pPr/>
+              <a:t>6</a:t>
+            </a:fld>
+            <a:endParaRPr lang="en-US"/>
+          </a:p>
+        </p:txBody>
+      </p:sp>
+      <p:sp>
+        <p:nvSpPr>
+          <p:cNvPr id="176132" name="Rectangle 4"/>
+          <p:cNvSpPr>
+            <a:spLocks noGrp="1" noChangeArrowheads="1"/>
+          </p:cNvSpPr>
+          <p:nvPr>
+            <p:ph type="title"/>
+          </p:nvPr>
+        </p:nvSpPr>
+        <p:spPr>
+          <a:xfrm>
+            <a:off x="228600" y="76200"/>
+            <a:ext cx="8686800" cy="838200"/>
+          </a:xfrm>
+        </p:spPr>
+        <p:txBody>
+          <a:bodyPr/>
+          <a:lstStyle/>
+          <a:p>
+            <a:r>
+              <a:rPr lang="en-US" dirty="0"/>
+              <a:t>Recipe for any Hypothesis Test</a:t>
+            </a:r>
+          </a:p>
+        </p:txBody>
+      </p:sp>
+      <p:sp>
+        <p:nvSpPr>
+          <p:cNvPr id="176133" name="Rectangle 5"/>
+          <p:cNvSpPr>
+            <a:spLocks noGrp="1" noChangeArrowheads="1"/>
+          </p:cNvSpPr>
+          <p:nvPr>
+            <p:ph type="body" idx="1"/>
+          </p:nvPr>
+        </p:nvSpPr>
+        <p:spPr>
+          <a:xfrm>
+            <a:off x="152400" y="1143000"/>
+            <a:ext cx="8763000" cy="5257800"/>
+          </a:xfrm>
+        </p:spPr>
+        <p:txBody>
+          <a:bodyPr/>
+          <a:lstStyle/>
+          <a:p>
+            <a:pPr marL="609600" indent="-609600">
+              <a:buFontTx/>
+              <a:buNone/>
+            </a:pPr>
+            <a:r>
+              <a:rPr lang="en-US" sz="2400" b="1" dirty="0" smtClean="0"/>
+              <a:t>9</a:t>
+            </a:r>
+            <a:r>
+              <a:rPr lang="en-US" sz="2400" b="1" dirty="0"/>
+              <a:t>)  State </a:t>
+            </a:r>
+            <a:r>
+              <a:rPr lang="en-US" sz="2400" b="1" dirty="0" smtClean="0"/>
+              <a:t>your rejection </a:t>
+            </a:r>
+            <a:r>
+              <a:rPr lang="en-US" sz="2400" b="1" dirty="0"/>
+              <a:t>decision</a:t>
+            </a:r>
+          </a:p>
+          <a:p>
+            <a:pPr marL="609600" indent="-609600">
+              <a:buFontTx/>
+              <a:buNone/>
+            </a:pPr>
+            <a:r>
+              <a:rPr lang="en-US" sz="2400" dirty="0" smtClean="0"/>
+              <a:t>p-value (0.0017) &lt; </a:t>
+            </a:r>
+            <a:r>
+              <a:rPr lang="en-US" sz="2400" dirty="0" smtClean="0">
+                <a:latin typeface="Symbol" panose="05050102010706020507" pitchFamily="18" charset="2"/>
+              </a:rPr>
+              <a:t>a</a:t>
+            </a:r>
+            <a:r>
+              <a:rPr lang="en-US" sz="2400" dirty="0" smtClean="0"/>
+              <a:t> (0.05) …. Reject H</a:t>
+            </a:r>
+            <a:r>
+              <a:rPr lang="en-US" sz="2400" baseline="-25000" dirty="0" smtClean="0"/>
+              <a:t>o</a:t>
+            </a:r>
+            <a:endParaRPr lang="en-US" sz="2400" baseline="-25000" dirty="0" smtClean="0"/>
+          </a:p>
+          <a:p>
+            <a:pPr marL="609600" indent="-609600">
+              <a:buFontTx/>
+              <a:buNone/>
+            </a:pPr>
+            <a:endParaRPr lang="en-US" sz="2400" b="1" dirty="0" smtClean="0"/>
+          </a:p>
+          <a:p>
+            <a:pPr marL="609600" indent="-609600">
+              <a:buFontTx/>
+              <a:buNone/>
+            </a:pPr>
+            <a:r>
+              <a:rPr lang="en-US" sz="2400" b="1" dirty="0" smtClean="0"/>
+              <a:t>10</a:t>
+            </a:r>
+            <a:r>
+              <a:rPr lang="en-US" sz="2400" b="1" dirty="0"/>
+              <a:t>) Summarize your findings in terms of the problem </a:t>
+            </a:r>
+          </a:p>
+          <a:p>
+            <a:pPr marL="609600" indent="-609600">
+              <a:buFontTx/>
+              <a:buNone/>
+            </a:pPr>
+            <a:r>
+              <a:rPr lang="en-US" sz="2400" dirty="0" smtClean="0"/>
+              <a:t>The mean number of close friends for all introverts appears to be different than that (=5.7) for the population of people living in the U.S.</a:t>
+            </a:r>
+            <a:endParaRPr lang="en-US" sz="2400" dirty="0" smtClean="0"/>
+          </a:p>
+          <a:p>
+            <a:pPr marL="609600" indent="-609600">
+              <a:buFontTx/>
+              <a:buNone/>
+            </a:pPr>
+            <a:endParaRPr lang="en-US" sz="2400" dirty="0"/>
+          </a:p>
+        </p:txBody>
+      </p:sp>
+    </p:spTree>
+    <p:extLst>
+      <p:ext uri="{BB962C8B-B14F-4D97-AF65-F5344CB8AC3E}">
+        <p14:creationId xmlns:p14="http://schemas.microsoft.com/office/powerpoint/2010/main" val="3643530744"/>
+      </p:ext>
+    </p:extLst>
+  </p:cSld>
+  <p:clrMapOvr>
+    <a:masterClrMapping/>
+  </p:clrMapOvr>
+  <p:timing>
+    <p:tnLst>
+      <p:par>
+        <p:cTn id="1" dur="indefinite" restart="never" nodeType="tmRoot">
+          <p:childTnLst>
+            <p:seq concurrent="1" nextAc="seek">
+              <p:cTn id="2" dur="indefinite" nodeType="mainSeq">
+                <p:childTnLst>
+                  <p:par>
+                    <p:cTn id="3" fill="hold">
+                      <p:stCondLst>
+                        <p:cond delay="indefinite"/>
+                      </p:stCondLst>
+                      <p:childTnLst>
+                        <p:par>
+                          <p:cTn id="4" fill="hold">
+                            <p:stCondLst>
+                              <p:cond delay="0"/>
+                            </p:stCondLst>
+                            <p:childTnLst>
+                              <p:par>
+                                <p:cTn id="5" presetID="1" presetClass="entr" presetSubtype="0" fill="hold" grpId="0" nodeType="clickEffect">
+                                  <p:stCondLst>
+                                    <p:cond delay="0"/>
+                                  </p:stCondLst>
+                                  <p:childTnLst>
+                                    <p:set>
+                                      <p:cBhvr>
+                                        <p:cTn id="6" dur="1" fill="hold">
+                                          <p:stCondLst>
+                                            <p:cond delay="0"/>
+                                          </p:stCondLst>
+                                        </p:cTn>
+                                        <p:tgtEl>
+                                          <p:spTgt spid="176133">
+                                            <p:txEl>
+                                              <p:pRg st="3" end="3"/>
+                                            </p:txEl>
+                                          </p:spTgt>
+                                        </p:tgtEl>
+                                        <p:attrNameLst>
+                                          <p:attrName>style.visibility</p:attrName>
+                                        </p:attrNameLst>
+                                      </p:cBhvr>
+                                      <p:to>
+                                        <p:strVal val="visible"/>
+                                      </p:to>
+                                    </p:set>
+                                  </p:childTnLst>
+                                </p:cTn>
+                              </p:par>
+                            </p:childTnLst>
+                          </p:cTn>
+                        </p:par>
+                        <p:par>
+                          <p:cTn id="7" fill="hold">
+                            <p:stCondLst>
+                              <p:cond delay="0"/>
+                            </p:stCondLst>
+                            <p:childTnLst>
+                              <p:par>
+                                <p:cTn id="8" presetID="1" presetClass="entr" presetSubtype="0" fill="hold" grpId="0" nodeType="afterEffect">
+                                  <p:stCondLst>
+                                    <p:cond delay="0"/>
+                                  </p:stCondLst>
+                                  <p:childTnLst>
+                                    <p:set>
+                                      <p:cBhvr>
+                                        <p:cTn id="9" dur="1" fill="hold">
+                                          <p:stCondLst>
+                                            <p:cond delay="0"/>
+                                          </p:stCondLst>
+                                        </p:cTn>
+                                        <p:tgtEl>
+                                          <p:spTgt spid="176133">
+                                            <p:txEl>
+                                              <p:pRg st="4" end="4"/>
+                                            </p:txEl>
+                                          </p:spTgt>
+                                        </p:tgtEl>
+                                        <p:attrNameLst>
+                                          <p:attrName>style.visibility</p:attrName>
+                                        </p:attrNameLst>
+                                      </p:cBhvr>
+                                      <p:to>
+                                        <p:strVal val="visible"/>
+                                      </p:to>
+                                    </p:set>
+                                  </p:childTnLst>
+                                </p:cTn>
+                              </p:par>
+                            </p:childTnLst>
+                          </p:cTn>
+                        </p:par>
+                      </p:childTnLst>
+                    </p:cTn>
+                  </p:par>
+                </p:childTnLst>
+              </p:cTn>
+              <p:prevCondLst>
+                <p:cond evt="onPrev" delay="0">
+                  <p:tgtEl>
+                    <p:sldTgt/>
+                  </p:tgtEl>
+                </p:cond>
+              </p:prevCondLst>
+              <p:nextCondLst>
+                <p:cond evt="onNext" delay="0">
+                  <p:tgtEl>
+                    <p:sldTgt/>
+                  </p:tgtEl>
+                </p:cond>
+              </p:nextCondLst>
+            </p:seq>
+          </p:childTnLst>
+        </p:cTn>
+      </p:par>
+    </p:tnLst>
+    <p:bldLst>
+      <p:bldP spid="176133" grpId="0" uiExpand="1" build="p"/>
+    </p:bldLst>
+  </p:timing>
+</p:sld>
+</file>
+
+<file path=ppt/slides/slide7.xml><?xml version="1.0" encoding="utf-8"?>
+<p:sld xmlns:a="http://schemas.openxmlformats.org/drawingml/2006/main" xmlns:r="http://schemas.openxmlformats.org/officeDocument/2006/relationships" xmlns:p="http://schemas.openxmlformats.org/presentationml/2006/main" showMasterPhAnim="0">
+  <p:cSld>
+    <p:spTree>
+      <p:nvGrpSpPr>
+        <p:cNvPr id="1" name=""/>
+        <p:cNvGrpSpPr/>
+        <p:nvPr/>
+      </p:nvGrpSpPr>
+      <p:grpSpPr>
+        <a:xfrm>
+          <a:off x="0" y="0"/>
+          <a:ext cx="0" cy="0"/>
+          <a:chOff x="0" y="0"/>
+          <a:chExt cx="0" cy="0"/>
+        </a:xfrm>
+      </p:grpSpPr>
+      <p:sp>
+        <p:nvSpPr>
+          <p:cNvPr id="6" name="Footer Placeholder 4"/>
+          <p:cNvSpPr>
+            <a:spLocks noGrp="1"/>
+          </p:cNvSpPr>
+          <p:nvPr>
+            <p:ph type="ftr" sz="quarter" idx="11"/>
+          </p:nvPr>
+        </p:nvSpPr>
+        <p:spPr/>
+        <p:txBody>
+          <a:bodyPr/>
+          <a:lstStyle/>
+          <a:p>
+            <a:r>
+              <a:rPr lang="en-US" smtClean="0"/>
+              <a:t>Inference Concepts</a:t>
+            </a:r>
+            <a:endParaRPr lang="en-US"/>
+          </a:p>
+        </p:txBody>
+      </p:sp>
+      <p:sp>
+        <p:nvSpPr>
+          <p:cNvPr id="7" name="Slide Number Placeholder 5"/>
+          <p:cNvSpPr>
+            <a:spLocks noGrp="1"/>
+          </p:cNvSpPr>
+          <p:nvPr>
+            <p:ph type="sldNum" sz="quarter" idx="12"/>
+          </p:nvPr>
+        </p:nvSpPr>
+        <p:spPr/>
+        <p:txBody>
+          <a:bodyPr/>
+          <a:lstStyle/>
+          <a:p>
+            <a:r>
+              <a:rPr lang="en-US"/>
+              <a:t>Slide #</a:t>
+            </a:r>
+            <a:fld id="{B688EE58-D69A-40CA-ABEC-FF6860B42866}" type="slidenum">
+              <a:rPr lang="en-US"/>
+              <a:pPr/>
+              <a:t>7</a:t>
+            </a:fld>
+            <a:endParaRPr lang="en-US"/>
+          </a:p>
+        </p:txBody>
+      </p:sp>
+      <p:sp>
+        <p:nvSpPr>
+          <p:cNvPr id="176132" name="Rectangle 4"/>
+          <p:cNvSpPr>
+            <a:spLocks noGrp="1" noChangeArrowheads="1"/>
+          </p:cNvSpPr>
+          <p:nvPr>
+            <p:ph type="title"/>
+          </p:nvPr>
+        </p:nvSpPr>
+        <p:spPr>
+          <a:xfrm>
+            <a:off x="228600" y="76200"/>
+            <a:ext cx="8686800" cy="838200"/>
+          </a:xfrm>
+        </p:spPr>
+        <p:txBody>
+          <a:bodyPr/>
+          <a:lstStyle/>
+          <a:p>
+            <a:r>
+              <a:rPr lang="en-US" dirty="0"/>
+              <a:t>Recipe for any Hypothesis Test</a:t>
+            </a:r>
+          </a:p>
+        </p:txBody>
+      </p:sp>
+      <p:sp>
+        <p:nvSpPr>
+          <p:cNvPr id="176133" name="Rectangle 5"/>
+          <p:cNvSpPr>
+            <a:spLocks noGrp="1" noChangeArrowheads="1"/>
+          </p:cNvSpPr>
+          <p:nvPr>
+            <p:ph type="body" idx="1"/>
+          </p:nvPr>
+        </p:nvSpPr>
+        <p:spPr>
+          <a:xfrm>
+            <a:off x="152400" y="1143000"/>
+            <a:ext cx="8763000" cy="5257800"/>
+          </a:xfrm>
+        </p:spPr>
+        <p:txBody>
+          <a:bodyPr/>
+          <a:lstStyle/>
+          <a:p>
+            <a:pPr marL="609600" indent="-609600">
+              <a:buFontTx/>
+              <a:buNone/>
+            </a:pPr>
+            <a:r>
+              <a:rPr lang="en-US" sz="2400" b="1" dirty="0" smtClean="0"/>
+              <a:t>11</a:t>
+            </a:r>
+            <a:r>
+              <a:rPr lang="en-US" sz="2400" b="1" dirty="0"/>
+              <a:t>) If </a:t>
+            </a:r>
+            <a:r>
+              <a:rPr lang="en-US" sz="2400" b="1" dirty="0" smtClean="0"/>
+              <a:t>rejected H</a:t>
+            </a:r>
+            <a:r>
+              <a:rPr lang="en-US" sz="2400" b="1" baseline="-25000" dirty="0" smtClean="0"/>
+              <a:t>0</a:t>
+            </a:r>
+            <a:r>
+              <a:rPr lang="en-US" sz="2400" b="1" dirty="0" smtClean="0"/>
+              <a:t>, </a:t>
+            </a:r>
+            <a:r>
+              <a:rPr lang="en-US" sz="2400" dirty="0" smtClean="0"/>
+              <a:t>compute a </a:t>
+            </a:r>
+            <a:r>
+              <a:rPr lang="en-US" sz="2400" b="1" dirty="0" smtClean="0"/>
+              <a:t>100(1-</a:t>
+            </a:r>
+            <a:r>
+              <a:rPr lang="en-US" sz="2400" b="1" dirty="0" smtClean="0">
+                <a:latin typeface="Symbol" pitchFamily="18" charset="2"/>
+              </a:rPr>
+              <a:t>a</a:t>
+            </a:r>
+            <a:r>
+              <a:rPr lang="en-US" sz="2400" b="1" dirty="0" smtClean="0"/>
+              <a:t>)%</a:t>
+            </a:r>
+            <a:r>
+              <a:rPr lang="en-US" sz="2400" dirty="0" smtClean="0"/>
+              <a:t> </a:t>
+            </a:r>
+            <a:r>
+              <a:rPr lang="en-US" sz="2400" i="1" dirty="0"/>
+              <a:t>confidence region</a:t>
+            </a:r>
+            <a:r>
+              <a:rPr lang="en-US" sz="2400" dirty="0"/>
+              <a:t> for </a:t>
+            </a:r>
+            <a:r>
+              <a:rPr lang="en-US" sz="2400" dirty="0" smtClean="0"/>
+              <a:t> </a:t>
+            </a:r>
+            <a:r>
+              <a:rPr lang="en-US" sz="2400" dirty="0" smtClean="0"/>
+              <a:t>parameter</a:t>
+            </a:r>
+          </a:p>
+          <a:p>
+            <a:pPr marL="609600" indent="-609600">
+              <a:buFontTx/>
+              <a:buNone/>
+            </a:pPr>
+            <a:r>
+              <a:rPr lang="en-US" sz="2400" dirty="0" smtClean="0"/>
+              <a:t>(i)   100(1-0.05)% = 95%</a:t>
+            </a:r>
+          </a:p>
+          <a:p>
+            <a:pPr marL="609600" indent="-609600">
+              <a:buFontTx/>
+              <a:buNone/>
+            </a:pPr>
+            <a:r>
+              <a:rPr lang="en-US" sz="2400" dirty="0" smtClean="0"/>
+              <a:t>(ii)  Confidence interval … because H</a:t>
+            </a:r>
+            <a:r>
+              <a:rPr lang="en-US" sz="2400" baseline="-25000" dirty="0" smtClean="0"/>
+              <a:t>a</a:t>
+            </a:r>
+            <a:r>
+              <a:rPr lang="en-US" sz="2400" dirty="0" smtClean="0"/>
+              <a:t> was not equals (two-sided)</a:t>
+            </a:r>
+          </a:p>
+          <a:p>
+            <a:pPr marL="609600" indent="-609600">
+              <a:buFontTx/>
+              <a:buNone/>
+            </a:pPr>
+            <a:r>
+              <a:rPr lang="en-US" sz="2400" dirty="0" smtClean="0"/>
+              <a:t>(iii) Z* = ±1.96   … from </a:t>
+            </a:r>
+            <a:r>
+              <a:rPr lang="en-US" sz="2400" dirty="0" err="1" smtClean="0">
+                <a:latin typeface="Courier New" panose="02070309020205020404" pitchFamily="49" charset="0"/>
+                <a:cs typeface="Courier New" panose="02070309020205020404" pitchFamily="49" charset="0"/>
+              </a:rPr>
+              <a:t>distrib</a:t>
+            </a:r>
+            <a:r>
+              <a:rPr lang="en-US" sz="2400" smtClean="0">
+                <a:latin typeface="Courier New" panose="02070309020205020404" pitchFamily="49" charset="0"/>
+                <a:cs typeface="Courier New" panose="02070309020205020404" pitchFamily="49" charset="0"/>
+              </a:rPr>
+              <a:t>(0.025,type=“q”)</a:t>
+            </a:r>
+            <a:endParaRPr lang="en-US" sz="2400" dirty="0" smtClean="0">
+              <a:latin typeface="Courier New" panose="02070309020205020404" pitchFamily="49" charset="0"/>
+              <a:cs typeface="Courier New" panose="02070309020205020404" pitchFamily="49" charset="0"/>
+            </a:endParaRPr>
+          </a:p>
+          <a:p>
+            <a:pPr marL="609600" indent="-609600">
+              <a:buFontTx/>
+              <a:buNone/>
+            </a:pPr>
+            <a:r>
+              <a:rPr lang="en-US" sz="2400" dirty="0" smtClean="0"/>
+              <a:t>(iv) 6.5 ± 1.96*0.255</a:t>
+            </a:r>
+          </a:p>
+          <a:p>
+            <a:pPr marL="609600" indent="-609600">
+              <a:buFontTx/>
+              <a:buNone/>
+            </a:pPr>
+            <a:r>
+              <a:rPr lang="en-US" sz="2400" dirty="0"/>
+              <a:t> </a:t>
+            </a:r>
+            <a:r>
+              <a:rPr lang="en-US" sz="2400" dirty="0" smtClean="0"/>
+              <a:t>      6.5 ± 0.50</a:t>
+            </a:r>
+          </a:p>
+          <a:p>
+            <a:pPr marL="609600" indent="-609600">
+              <a:buFontTx/>
+              <a:buNone/>
+            </a:pPr>
+            <a:r>
+              <a:rPr lang="en-US" sz="2400" dirty="0"/>
+              <a:t> </a:t>
+            </a:r>
+            <a:r>
+              <a:rPr lang="en-US" sz="2400" dirty="0" smtClean="0"/>
+              <a:t>      (6.0, 7.0)</a:t>
+            </a:r>
+          </a:p>
+          <a:p>
+            <a:pPr marL="609600" indent="-609600">
+              <a:buFontTx/>
+              <a:buNone/>
+            </a:pPr>
+            <a:r>
+              <a:rPr lang="en-US" sz="2400" dirty="0" smtClean="0"/>
+              <a:t>(v)  I am 95% confident that the mean number of close friends for all introverts is between 6.0 and 7.0.</a:t>
+            </a:r>
+          </a:p>
+        </p:txBody>
+      </p:sp>
+    </p:spTree>
+    <p:extLst>
+      <p:ext uri="{BB962C8B-B14F-4D97-AF65-F5344CB8AC3E}">
+        <p14:creationId xmlns:p14="http://schemas.microsoft.com/office/powerpoint/2010/main" val="3947499006"/>
+      </p:ext>
+    </p:extLst>
+  </p:cSld>
+  <p:clrMapOvr>
+    <a:masterClrMapping/>
+  </p:clrMapOvr>
+  <p:timing>
+    <p:tnLst>
+      <p:par>
+        <p:cTn id="1" dur="indefinite" restart="never" nodeType="tmRoot">
+          <p:childTnLst>
+            <p:seq concurrent="1" nextAc="seek">
+              <p:cTn id="2" dur="indefinite" nodeType="mainSeq">
+                <p:childTnLst>
+                  <p:par>
+                    <p:cTn id="3" fill="hold">
+                      <p:stCondLst>
+                        <p:cond delay="indefinite"/>
+                      </p:stCondLst>
+                      <p:childTnLst>
+                        <p:par>
+                          <p:cTn id="4" fill="hold">
+                            <p:stCondLst>
+                              <p:cond delay="0"/>
+                            </p:stCondLst>
+                            <p:childTnLst>
+                              <p:par>
+                                <p:cTn id="5" presetID="1" presetClass="entr" presetSubtype="0" fill="hold" grpId="0" nodeType="clickEffect">
+                                  <p:stCondLst>
+                                    <p:cond delay="0"/>
+                                  </p:stCondLst>
+                                  <p:childTnLst>
+                                    <p:set>
+                                      <p:cBhvr>
+                                        <p:cTn id="6" dur="1" fill="hold">
+                                          <p:stCondLst>
+                                            <p:cond delay="0"/>
+                                          </p:stCondLst>
+                                        </p:cTn>
+                                        <p:tgtEl>
+                                          <p:spTgt spid="176133">
+                                            <p:txEl>
+                                              <p:pRg st="1" end="1"/>
+                                            </p:txEl>
+                                          </p:spTgt>
+                                        </p:tgtEl>
+                                        <p:attrNameLst>
+                                          <p:attrName>style.visibility</p:attrName>
+                                        </p:attrNameLst>
+                                      </p:cBhvr>
+                                      <p:to>
+                                        <p:strVal val="visible"/>
+                                      </p:to>
+                                    </p:set>
+                                  </p:childTnLst>
+                                </p:cTn>
+                              </p:par>
+                            </p:childTnLst>
+                          </p:cTn>
+                        </p:par>
+                      </p:childTnLst>
+                    </p:cTn>
+                  </p:par>
+                  <p:par>
+                    <p:cTn id="7" fill="hold">
+                      <p:stCondLst>
+                        <p:cond delay="indefinite"/>
+                      </p:stCondLst>
+                      <p:childTnLst>
+                        <p:par>
+                          <p:cTn id="8" fill="hold">
+                            <p:stCondLst>
+                              <p:cond delay="0"/>
+                            </p:stCondLst>
+                            <p:childTnLst>
+                              <p:par>
+                                <p:cTn id="9" presetID="1" presetClass="entr" presetSubtype="0" fill="hold" grpId="0" nodeType="clickEffect">
+                                  <p:stCondLst>
+                                    <p:cond delay="0"/>
+                                  </p:stCondLst>
+                                  <p:childTnLst>
+                                    <p:set>
+                                      <p:cBhvr>
+                                        <p:cTn id="10" dur="1" fill="hold">
+                                          <p:stCondLst>
+                                            <p:cond delay="0"/>
+                                          </p:stCondLst>
+                                        </p:cTn>
+                                        <p:tgtEl>
+                                          <p:spTgt spid="176133">
+                                            <p:txEl>
+                                              <p:pRg st="2" end="2"/>
+                                            </p:txEl>
+                                          </p:spTgt>
+                                        </p:tgtEl>
+                                        <p:attrNameLst>
+                                          <p:attrName>style.visibility</p:attrName>
+                                        </p:attrNameLst>
+                                      </p:cBhvr>
+                                      <p:to>
+                                        <p:strVal val="visible"/>
+                                      </p:to>
+                                    </p:set>
+                                  </p:childTnLst>
+                                </p:cTn>
+                              </p:par>
+                            </p:childTnLst>
+                          </p:cTn>
+                        </p:par>
+                      </p:childTnLst>
+                    </p:cTn>
+                  </p:par>
+                  <p:par>
+                    <p:cTn id="11" fill="hold">
+                      <p:stCondLst>
+                        <p:cond delay="indefinite"/>
+                      </p:stCondLst>
+                      <p:childTnLst>
+                        <p:par>
+                          <p:cTn id="12" fill="hold">
+                            <p:stCondLst>
+                              <p:cond delay="0"/>
+                            </p:stCondLst>
+                            <p:childTnLst>
+                              <p:par>
+                                <p:cTn id="13" presetID="1" presetClass="entr" presetSubtype="0" fill="hold" grpId="0" nodeType="clickEffect">
+                                  <p:stCondLst>
+                                    <p:cond delay="0"/>
+                                  </p:stCondLst>
+                                  <p:childTnLst>
+                                    <p:set>
+                                      <p:cBhvr>
+                                        <p:cTn id="14" dur="1" fill="hold">
+                                          <p:stCondLst>
+                                            <p:cond delay="0"/>
+                                          </p:stCondLst>
+                                        </p:cTn>
+                                        <p:tgtEl>
+                                          <p:spTgt spid="176133">
+                                            <p:txEl>
+                                              <p:pRg st="3" end="3"/>
+                                            </p:txEl>
+                                          </p:spTgt>
+                                        </p:tgtEl>
+                                        <p:attrNameLst>
+                                          <p:attrName>style.visibility</p:attrName>
+                                        </p:attrNameLst>
+                                      </p:cBhvr>
+                                      <p:to>
+                                        <p:strVal val="visible"/>
+                                      </p:to>
+                                    </p:set>
+                                  </p:childTnLst>
+                                </p:cTn>
+                              </p:par>
+                            </p:childTnLst>
+                          </p:cTn>
+                        </p:par>
+                      </p:childTnLst>
+                    </p:cTn>
+                  </p:par>
+                  <p:par>
+                    <p:cTn id="15" fill="hold">
+                      <p:stCondLst>
+                        <p:cond delay="indefinite"/>
+                      </p:stCondLst>
+                      <p:childTnLst>
+                        <p:par>
+                          <p:cTn id="16" fill="hold">
+                            <p:stCondLst>
+                              <p:cond delay="0"/>
+                            </p:stCondLst>
+                            <p:childTnLst>
+                              <p:par>
+                                <p:cTn id="17" presetID="1" presetClass="entr" presetSubtype="0" fill="hold" grpId="0" nodeType="clickEffect">
+                                  <p:stCondLst>
+                                    <p:cond delay="0"/>
+                                  </p:stCondLst>
+                                  <p:childTnLst>
+                                    <p:set>
+                                      <p:cBhvr>
+                                        <p:cTn id="18" dur="1" fill="hold">
+                                          <p:stCondLst>
+                                            <p:cond delay="0"/>
+                                          </p:stCondLst>
+                                        </p:cTn>
+                                        <p:tgtEl>
+                                          <p:spTgt spid="176133">
+                                            <p:txEl>
+                                              <p:pRg st="4" end="4"/>
+                                            </p:txEl>
+                                          </p:spTgt>
+                                        </p:tgtEl>
+                                        <p:attrNameLst>
+                                          <p:attrName>style.visibility</p:attrName>
+                                        </p:attrNameLst>
+                                      </p:cBhvr>
+                                      <p:to>
+                                        <p:strVal val="visible"/>
+                                      </p:to>
+                                    </p:set>
+                                  </p:childTnLst>
+                                </p:cTn>
+                              </p:par>
+                            </p:childTnLst>
+                          </p:cTn>
+                        </p:par>
+                        <p:par>
+                          <p:cTn id="19" fill="hold">
+                            <p:stCondLst>
+                              <p:cond delay="0"/>
+                            </p:stCondLst>
+                            <p:childTnLst>
+                              <p:par>
+                                <p:cTn id="20" presetID="1" presetClass="entr" presetSubtype="0" fill="hold" grpId="0" nodeType="afterEffect">
+                                  <p:stCondLst>
+                                    <p:cond delay="0"/>
+                                  </p:stCondLst>
+                                  <p:childTnLst>
+                                    <p:set>
+                                      <p:cBhvr>
+                                        <p:cTn id="21" dur="1" fill="hold">
+                                          <p:stCondLst>
+                                            <p:cond delay="0"/>
+                                          </p:stCondLst>
+                                        </p:cTn>
+                                        <p:tgtEl>
+                                          <p:spTgt spid="176133">
+                                            <p:txEl>
+                                              <p:pRg st="5" end="5"/>
+                                            </p:txEl>
+                                          </p:spTgt>
+                                        </p:tgtEl>
+                                        <p:attrNameLst>
+                                          <p:attrName>style.visibility</p:attrName>
+                                        </p:attrNameLst>
+                                      </p:cBhvr>
+                                      <p:to>
+                                        <p:strVal val="visible"/>
+                                      </p:to>
+                                    </p:set>
+                                  </p:childTnLst>
+                                </p:cTn>
+                              </p:par>
+                            </p:childTnLst>
+                          </p:cTn>
+                        </p:par>
+                        <p:par>
+                          <p:cTn id="22" fill="hold">
+                            <p:stCondLst>
+                              <p:cond delay="0"/>
+                            </p:stCondLst>
+                            <p:childTnLst>
+                              <p:par>
+                                <p:cTn id="23" presetID="1" presetClass="entr" presetSubtype="0" fill="hold" grpId="0" nodeType="afterEffect">
+                                  <p:stCondLst>
+                                    <p:cond delay="0"/>
+                                  </p:stCondLst>
+                                  <p:childTnLst>
+                                    <p:set>
+                                      <p:cBhvr>
+                                        <p:cTn id="24" dur="1" fill="hold">
+                                          <p:stCondLst>
+                                            <p:cond delay="0"/>
+                                          </p:stCondLst>
+                                        </p:cTn>
+                                        <p:tgtEl>
+                                          <p:spTgt spid="176133">
+                                            <p:txEl>
+                                              <p:pRg st="6" end="6"/>
+                                            </p:txEl>
+                                          </p:spTgt>
+                                        </p:tgtEl>
+                                        <p:attrNameLst>
+                                          <p:attrName>style.visibility</p:attrName>
+                                        </p:attrNameLst>
+                                      </p:cBhvr>
+                                      <p:to>
+                                        <p:strVal val="visible"/>
+                                      </p:to>
+                                    </p:set>
+                                  </p:childTnLst>
+                                </p:cTn>
+                              </p:par>
+                            </p:childTnLst>
+                          </p:cTn>
+                        </p:par>
+                      </p:childTnLst>
+                    </p:cTn>
+                  </p:par>
+                  <p:par>
+                    <p:cTn id="25" fill="hold">
+                      <p:stCondLst>
+                        <p:cond delay="indefinite"/>
+                      </p:stCondLst>
+                      <p:childTnLst>
+                        <p:par>
+                          <p:cTn id="26" fill="hold">
+                            <p:stCondLst>
+                              <p:cond delay="0"/>
+                            </p:stCondLst>
+                            <p:childTnLst>
+                              <p:par>
+                                <p:cTn id="27" presetID="1" presetClass="entr" presetSubtype="0" fill="hold" grpId="0" nodeType="clickEffect">
+                                  <p:stCondLst>
+                                    <p:cond delay="0"/>
+                                  </p:stCondLst>
+                                  <p:childTnLst>
+                                    <p:set>
+                                      <p:cBhvr>
+                                        <p:cTn id="28" dur="1" fill="hold">
+                                          <p:stCondLst>
+                                            <p:cond delay="0"/>
+                                          </p:stCondLst>
+                                        </p:cTn>
+                                        <p:tgtEl>
+                                          <p:spTgt spid="176133">
+                                            <p:txEl>
+                                              <p:pRg st="7" end="7"/>
+                                            </p:txEl>
+                                          </p:spTgt>
+                                        </p:tgtEl>
+                                        <p:attrNameLst>
+                                          <p:attrName>style.visibility</p:attrName>
+                                        </p:attrNameLst>
+                                      </p:cBhvr>
+                                      <p:to>
+                                        <p:strVal val="visible"/>
+                                      </p:to>
+                                    </p:set>
+                                  </p:childTnLst>
+                                </p:cTn>
+                              </p:par>
+                            </p:childTnLst>
+                          </p:cTn>
+                        </p:par>
+                      </p:childTnLst>
+                    </p:cTn>
+                  </p:par>
+                </p:childTnLst>
+              </p:cTn>
+              <p:prevCondLst>
+                <p:cond evt="onPrev" delay="0">
+                  <p:tgtEl>
+                    <p:sldTgt/>
+                  </p:tgtEl>
+                </p:cond>
+              </p:prevCondLst>
+              <p:nextCondLst>
+                <p:cond evt="onNext" delay="0">
+                  <p:tgtEl>
+                    <p:sldTgt/>
+                  </p:tgtEl>
+                </p:cond>
+              </p:nextCondLst>
+            </p:seq>
+          </p:childTnLst>
+        </p:cTn>
+      </p:par>
+    </p:tnLst>
+    <p:bldLst>
+      <p:bldP spid="176133" grpId="0" uiExpand="1" build="p"/>
+    </p:bldLst>
   </p:timing>
 </p:sld>
 </file>
